--- a/Projek akhir algoritma- _ 24.240.0040 _ MOH RIFQI MIFFTAKHULKHOIR.pptx
+++ b/Projek akhir algoritma- _ 24.240.0040 _ MOH RIFQI MIFFTAKHULKHOIR.pptx
@@ -872,7 +872,7 @@
             <a:fld id="{1D8BD707-D9CF-40AE-B4C6-C98DA3205C09}" type="datetimeFigureOut">
               <a:rPr lang="en-US" smtClean="0"/>
               <a:pPr/>
-              <a:t>1/14/2025</a:t>
+              <a:t>1/15/2025</a:t>
             </a:fld>
             <a:endParaRPr lang="en-US"/>
           </a:p>
@@ -1125,7 +1125,7 @@
             <a:fld id="{1D8BD707-D9CF-40AE-B4C6-C98DA3205C09}" type="datetimeFigureOut">
               <a:rPr lang="en-US" smtClean="0"/>
               <a:pPr/>
-              <a:t>1/14/2025</a:t>
+              <a:t>1/15/2025</a:t>
             </a:fld>
             <a:endParaRPr lang="en-US"/>
           </a:p>
@@ -1441,7 +1441,7 @@
             <a:fld id="{1D8BD707-D9CF-40AE-B4C6-C98DA3205C09}" type="datetimeFigureOut">
               <a:rPr lang="en-US" smtClean="0"/>
               <a:pPr/>
-              <a:t>1/14/2025</a:t>
+              <a:t>1/15/2025</a:t>
             </a:fld>
             <a:endParaRPr lang="en-US"/>
           </a:p>
@@ -1784,7 +1784,7 @@
             <a:fld id="{1D8BD707-D9CF-40AE-B4C6-C98DA3205C09}" type="datetimeFigureOut">
               <a:rPr lang="en-US" smtClean="0"/>
               <a:pPr/>
-              <a:t>1/14/2025</a:t>
+              <a:t>1/15/2025</a:t>
             </a:fld>
             <a:endParaRPr lang="en-US"/>
           </a:p>
@@ -2100,7 +2100,7 @@
             <a:fld id="{1D8BD707-D9CF-40AE-B4C6-C98DA3205C09}" type="datetimeFigureOut">
               <a:rPr lang="en-US" smtClean="0"/>
               <a:pPr/>
-              <a:t>1/14/2025</a:t>
+              <a:t>1/15/2025</a:t>
             </a:fld>
             <a:endParaRPr lang="en-US"/>
           </a:p>
@@ -2495,7 +2495,7 @@
             <a:fld id="{1D8BD707-D9CF-40AE-B4C6-C98DA3205C09}" type="datetimeFigureOut">
               <a:rPr lang="en-US" smtClean="0"/>
               <a:pPr/>
-              <a:t>1/14/2025</a:t>
+              <a:t>1/15/2025</a:t>
             </a:fld>
             <a:endParaRPr lang="en-US"/>
           </a:p>
@@ -2667,7 +2667,7 @@
             <a:fld id="{1D8BD707-D9CF-40AE-B4C6-C98DA3205C09}" type="datetimeFigureOut">
               <a:rPr lang="en-US" smtClean="0"/>
               <a:pPr/>
-              <a:t>1/14/2025</a:t>
+              <a:t>1/15/2025</a:t>
             </a:fld>
             <a:endParaRPr lang="en-US"/>
           </a:p>
@@ -2849,7 +2849,7 @@
             <a:fld id="{1D8BD707-D9CF-40AE-B4C6-C98DA3205C09}" type="datetimeFigureOut">
               <a:rPr lang="en-US" smtClean="0"/>
               <a:pPr/>
-              <a:t>1/14/2025</a:t>
+              <a:t>1/15/2025</a:t>
             </a:fld>
             <a:endParaRPr lang="en-US"/>
           </a:p>
@@ -3027,7 +3027,7 @@
             <a:fld id="{1D8BD707-D9CF-40AE-B4C6-C98DA3205C09}" type="datetimeFigureOut">
               <a:rPr lang="en-US" smtClean="0"/>
               <a:pPr/>
-              <a:t>1/14/2025</a:t>
+              <a:t>1/15/2025</a:t>
             </a:fld>
             <a:endParaRPr lang="en-US"/>
           </a:p>
@@ -3276,7 +3276,7 @@
             <a:fld id="{1D8BD707-D9CF-40AE-B4C6-C98DA3205C09}" type="datetimeFigureOut">
               <a:rPr lang="en-US" smtClean="0"/>
               <a:pPr/>
-              <a:t>1/14/2025</a:t>
+              <a:t>1/15/2025</a:t>
             </a:fld>
             <a:endParaRPr lang="en-US"/>
           </a:p>
@@ -3510,7 +3510,7 @@
             <a:fld id="{1D8BD707-D9CF-40AE-B4C6-C98DA3205C09}" type="datetimeFigureOut">
               <a:rPr lang="en-US" smtClean="0"/>
               <a:pPr/>
-              <a:t>1/14/2025</a:t>
+              <a:t>1/15/2025</a:t>
             </a:fld>
             <a:endParaRPr lang="en-US"/>
           </a:p>
@@ -3886,7 +3886,7 @@
             <a:fld id="{1D8BD707-D9CF-40AE-B4C6-C98DA3205C09}" type="datetimeFigureOut">
               <a:rPr lang="en-US" smtClean="0"/>
               <a:pPr/>
-              <a:t>1/14/2025</a:t>
+              <a:t>1/15/2025</a:t>
             </a:fld>
             <a:endParaRPr lang="en-US"/>
           </a:p>
@@ -4011,7 +4011,7 @@
             <a:fld id="{1D8BD707-D9CF-40AE-B4C6-C98DA3205C09}" type="datetimeFigureOut">
               <a:rPr lang="en-US" smtClean="0"/>
               <a:pPr/>
-              <a:t>1/14/2025</a:t>
+              <a:t>1/15/2025</a:t>
             </a:fld>
             <a:endParaRPr lang="en-US"/>
           </a:p>
@@ -4108,7 +4108,7 @@
             <a:fld id="{1D8BD707-D9CF-40AE-B4C6-C98DA3205C09}" type="datetimeFigureOut">
               <a:rPr lang="en-US" smtClean="0"/>
               <a:pPr/>
-              <a:t>1/14/2025</a:t>
+              <a:t>1/15/2025</a:t>
             </a:fld>
             <a:endParaRPr lang="en-US"/>
           </a:p>
@@ -4365,7 +4365,7 @@
             <a:fld id="{1D8BD707-D9CF-40AE-B4C6-C98DA3205C09}" type="datetimeFigureOut">
               <a:rPr lang="en-US" smtClean="0"/>
               <a:pPr/>
-              <a:t>1/14/2025</a:t>
+              <a:t>1/15/2025</a:t>
             </a:fld>
             <a:endParaRPr lang="en-US"/>
           </a:p>
@@ -4630,7 +4630,7 @@
             <a:fld id="{1D8BD707-D9CF-40AE-B4C6-C98DA3205C09}" type="datetimeFigureOut">
               <a:rPr lang="en-US" smtClean="0"/>
               <a:pPr/>
-              <a:t>1/14/2025</a:t>
+              <a:t>1/15/2025</a:t>
             </a:fld>
             <a:endParaRPr lang="en-US"/>
           </a:p>
@@ -5375,7 +5375,7 @@
             <a:fld id="{1D8BD707-D9CF-40AE-B4C6-C98DA3205C09}" type="datetimeFigureOut">
               <a:rPr lang="en-US" smtClean="0"/>
               <a:pPr/>
-              <a:t>1/14/2025</a:t>
+              <a:t>1/15/2025</a:t>
             </a:fld>
             <a:endParaRPr lang="en-US"/>
           </a:p>
@@ -5974,7 +5974,7 @@
         <p:spPr>
           <a:xfrm>
             <a:off x="654627" y="8820150"/>
-            <a:ext cx="7644346" cy="666750"/>
+            <a:ext cx="7644346" cy="511679"/>
           </a:xfrm>
           <a:prstGeom prst="rect">
             <a:avLst/>
@@ -5992,16 +5992,76 @@
               </a:lnSpc>
             </a:pPr>
             <a:r>
-              <a:rPr lang="en-US" sz="3000">
-                <a:solidFill>
-                  <a:srgbClr val="000000"/>
-                </a:solidFill>
-                <a:latin typeface="Karnchang"/>
-                <a:ea typeface="Karnchang"/>
-                <a:cs typeface="Karnchang"/>
-                <a:sym typeface="Karnchang"/>
-              </a:rPr>
-              <a:t>Institute Widya Pratama | January 2025</a:t>
+              <a:rPr lang="en-US" sz="3000" dirty="0" err="1">
+                <a:solidFill>
+                  <a:srgbClr val="000000"/>
+                </a:solidFill>
+                <a:latin typeface="Karnchang"/>
+                <a:ea typeface="Karnchang"/>
+                <a:cs typeface="Karnchang"/>
+                <a:sym typeface="Karnchang"/>
+              </a:rPr>
+              <a:t>Institut</a:t>
+            </a:r>
+            <a:r>
+              <a:rPr lang="en-US" sz="3000" dirty="0">
+                <a:solidFill>
+                  <a:srgbClr val="000000"/>
+                </a:solidFill>
+                <a:latin typeface="Karnchang"/>
+                <a:ea typeface="Karnchang"/>
+                <a:cs typeface="Karnchang"/>
+                <a:sym typeface="Karnchang"/>
+              </a:rPr>
+              <a:t> </a:t>
+            </a:r>
+            <a:r>
+              <a:rPr lang="en-US" sz="3000" dirty="0" err="1">
+                <a:solidFill>
+                  <a:srgbClr val="000000"/>
+                </a:solidFill>
+                <a:latin typeface="Karnchang"/>
+                <a:ea typeface="Karnchang"/>
+                <a:cs typeface="Karnchang"/>
+                <a:sym typeface="Karnchang"/>
+              </a:rPr>
+              <a:t>Widya</a:t>
+            </a:r>
+            <a:r>
+              <a:rPr lang="en-US" sz="3000" dirty="0">
+                <a:solidFill>
+                  <a:srgbClr val="000000"/>
+                </a:solidFill>
+                <a:latin typeface="Karnchang"/>
+                <a:ea typeface="Karnchang"/>
+                <a:cs typeface="Karnchang"/>
+                <a:sym typeface="Karnchang"/>
+              </a:rPr>
+              <a:t> </a:t>
+            </a:r>
+            <a:r>
+              <a:rPr lang="en-US" sz="3000" dirty="0" err="1">
+                <a:solidFill>
+                  <a:srgbClr val="000000"/>
+                </a:solidFill>
+                <a:latin typeface="Karnchang"/>
+                <a:ea typeface="Karnchang"/>
+                <a:cs typeface="Karnchang"/>
+                <a:sym typeface="Karnchang"/>
+              </a:rPr>
+              <a:t>Pratama</a:t>
+            </a:r>
+            <a:r>
+              <a:rPr lang="en-US" sz="3000" dirty="0">
+                <a:solidFill>
+                  <a:srgbClr val="000000"/>
+                </a:solidFill>
+                <a:latin typeface="Karnchang"/>
+                <a:ea typeface="Karnchang"/>
+                <a:cs typeface="Karnchang"/>
+                <a:sym typeface="Karnchang"/>
+              </a:rPr>
+              <a:t> | 1 January 2025</a:t>
             </a:r>
           </a:p>
         </p:txBody>
@@ -6270,8 +6330,8 @@
         </p:nvSpPr>
         <p:spPr>
           <a:xfrm>
-            <a:off x="2497147" y="733869"/>
-            <a:ext cx="13660967" cy="2717527"/>
+            <a:off x="2514600" y="427144"/>
+            <a:ext cx="13660967" cy="966034"/>
           </a:xfrm>
           <a:prstGeom prst="rect">
             <a:avLst/>
@@ -6289,7 +6349,7 @@
               </a:lnSpc>
             </a:pPr>
             <a:r>
-              <a:rPr lang="en-US" sz="9406" b="1">
+              <a:rPr lang="en-US" sz="3600" b="1" dirty="0">
                 <a:solidFill>
                   <a:srgbClr val="000000"/>
                 </a:solidFill>
@@ -6311,8 +6371,8 @@
         </p:nvSpPr>
         <p:spPr>
           <a:xfrm>
-            <a:off x="875167" y="2979114"/>
-            <a:ext cx="7725185" cy="5740802"/>
+            <a:off x="969148" y="2214840"/>
+            <a:ext cx="7398749" cy="7458324"/>
           </a:xfrm>
           <a:prstGeom prst="rect">
             <a:avLst/>
@@ -6330,7 +6390,7 @@
               </a:lnSpc>
             </a:pPr>
             <a:r>
-              <a:rPr lang="en-US" sz="3370" dirty="0" err="1">
+              <a:rPr lang="en-US" sz="2800" b="1" dirty="0" err="1">
                 <a:solidFill>
                   <a:srgbClr val="000000"/>
                 </a:solidFill>
@@ -6342,7 +6402,7 @@
               <a:t>Latar</a:t>
             </a:r>
             <a:r>
-              <a:rPr lang="en-US" sz="3370" dirty="0">
+              <a:rPr lang="en-US" sz="2800" b="1" dirty="0">
                 <a:solidFill>
                   <a:srgbClr val="000000"/>
                 </a:solidFill>
@@ -6354,7 +6414,7 @@
               <a:t> </a:t>
             </a:r>
             <a:r>
-              <a:rPr lang="en-US" sz="3370" dirty="0" err="1">
+              <a:rPr lang="en-US" sz="2800" b="1" dirty="0" err="1">
                 <a:solidFill>
                   <a:srgbClr val="000000"/>
                 </a:solidFill>
@@ -6366,7 +6426,7 @@
               <a:t>Belakang</a:t>
             </a:r>
             <a:r>
-              <a:rPr lang="en-US" sz="3370" dirty="0">
+              <a:rPr lang="en-US" sz="2800" b="1" dirty="0">
                 <a:solidFill>
                   <a:srgbClr val="000000"/>
                 </a:solidFill>
@@ -6385,19 +6445,19 @@
               </a:lnSpc>
             </a:pPr>
             <a:r>
-              <a:rPr lang="en-US" sz="3370" dirty="0" err="1">
-                <a:solidFill>
-                  <a:srgbClr val="000000"/>
-                </a:solidFill>
-                <a:latin typeface="Karnchang"/>
-                <a:ea typeface="Karnchang"/>
-                <a:cs typeface="Karnchang"/>
-                <a:sym typeface="Karnchang"/>
-              </a:rPr>
-              <a:t>Pertumbuhan</a:t>
-            </a:r>
-            <a:r>
-              <a:rPr lang="en-US" sz="3370" dirty="0">
+              <a:rPr lang="en-US" sz="2800" dirty="0" err="1">
+                <a:solidFill>
+                  <a:srgbClr val="000000"/>
+                </a:solidFill>
+                <a:latin typeface="Karnchang"/>
+                <a:ea typeface="Karnchang"/>
+                <a:cs typeface="Karnchang"/>
+                <a:sym typeface="Karnchang"/>
+              </a:rPr>
+              <a:t>Dalam</a:t>
+            </a:r>
+            <a:r>
+              <a:rPr lang="en-US" sz="2800" dirty="0">
                 <a:solidFill>
                   <a:srgbClr val="000000"/>
                 </a:solidFill>
@@ -6409,19 +6469,19 @@
               <a:t> </a:t>
             </a:r>
             <a:r>
-              <a:rPr lang="en-US" sz="3370" dirty="0" err="1">
-                <a:solidFill>
-                  <a:srgbClr val="000000"/>
-                </a:solidFill>
-                <a:latin typeface="Karnchang"/>
-                <a:ea typeface="Karnchang"/>
-                <a:cs typeface="Karnchang"/>
-                <a:sym typeface="Karnchang"/>
-              </a:rPr>
-              <a:t>industri</a:t>
-            </a:r>
-            <a:r>
-              <a:rPr lang="en-US" sz="3370" dirty="0">
+              <a:rPr lang="en-US" sz="2800" dirty="0" err="1">
+                <a:solidFill>
+                  <a:srgbClr val="000000"/>
+                </a:solidFill>
+                <a:latin typeface="Karnchang"/>
+                <a:ea typeface="Karnchang"/>
+                <a:cs typeface="Karnchang"/>
+                <a:sym typeface="Karnchang"/>
+              </a:rPr>
+              <a:t>membuat</a:t>
+            </a:r>
+            <a:r>
+              <a:rPr lang="en-US" sz="2800" dirty="0">
                 <a:solidFill>
                   <a:srgbClr val="000000"/>
                 </a:solidFill>
@@ -6433,7 +6493,1039 @@
               <a:t> </a:t>
             </a:r>
             <a:r>
-              <a:rPr lang="en-US" sz="3370" dirty="0" err="1">
+              <a:rPr lang="en-US" sz="2800" dirty="0" err="1">
+                <a:solidFill>
+                  <a:srgbClr val="000000"/>
+                </a:solidFill>
+                <a:latin typeface="Karnchang"/>
+                <a:ea typeface="Karnchang"/>
+                <a:cs typeface="Karnchang"/>
+                <a:sym typeface="Karnchang"/>
+              </a:rPr>
+              <a:t>sebuah</a:t>
+            </a:r>
+            <a:r>
+              <a:rPr lang="en-US" sz="2800" dirty="0">
+                <a:solidFill>
+                  <a:srgbClr val="000000"/>
+                </a:solidFill>
+                <a:latin typeface="Karnchang"/>
+                <a:ea typeface="Karnchang"/>
+                <a:cs typeface="Karnchang"/>
+                <a:sym typeface="Karnchang"/>
+              </a:rPr>
+              <a:t> </a:t>
+            </a:r>
+            <a:r>
+              <a:rPr lang="en-US" sz="2800" dirty="0" err="1">
+                <a:solidFill>
+                  <a:srgbClr val="000000"/>
+                </a:solidFill>
+                <a:latin typeface="Karnchang"/>
+                <a:ea typeface="Karnchang"/>
+                <a:cs typeface="Karnchang"/>
+                <a:sym typeface="Karnchang"/>
+              </a:rPr>
+              <a:t>usaha</a:t>
+            </a:r>
+            <a:r>
+              <a:rPr lang="en-US" sz="2800" dirty="0">
+                <a:solidFill>
+                  <a:srgbClr val="000000"/>
+                </a:solidFill>
+                <a:latin typeface="Karnchang"/>
+                <a:ea typeface="Karnchang"/>
+                <a:cs typeface="Karnchang"/>
+                <a:sym typeface="Karnchang"/>
+              </a:rPr>
+              <a:t> </a:t>
+            </a:r>
+            <a:r>
+              <a:rPr lang="en-US" sz="2800" dirty="0" err="1">
+                <a:solidFill>
+                  <a:srgbClr val="000000"/>
+                </a:solidFill>
+                <a:latin typeface="Karnchang"/>
+                <a:ea typeface="Karnchang"/>
+                <a:cs typeface="Karnchang"/>
+                <a:sym typeface="Karnchang"/>
+              </a:rPr>
+              <a:t>kios</a:t>
+            </a:r>
+            <a:r>
+              <a:rPr lang="en-US" sz="2800" dirty="0">
+                <a:solidFill>
+                  <a:srgbClr val="000000"/>
+                </a:solidFill>
+                <a:latin typeface="Karnchang"/>
+                <a:ea typeface="Karnchang"/>
+                <a:cs typeface="Karnchang"/>
+                <a:sym typeface="Karnchang"/>
+              </a:rPr>
+              <a:t> motor pun </a:t>
+            </a:r>
+            <a:r>
+              <a:rPr lang="en-US" sz="2800" dirty="0" err="1">
+                <a:solidFill>
+                  <a:srgbClr val="000000"/>
+                </a:solidFill>
+                <a:latin typeface="Karnchang"/>
+                <a:ea typeface="Karnchang"/>
+                <a:cs typeface="Karnchang"/>
+                <a:sym typeface="Karnchang"/>
+              </a:rPr>
+              <a:t>pasti</a:t>
+            </a:r>
+            <a:r>
+              <a:rPr lang="en-US" sz="2800" dirty="0">
+                <a:solidFill>
+                  <a:srgbClr val="000000"/>
+                </a:solidFill>
+                <a:latin typeface="Karnchang"/>
+                <a:ea typeface="Karnchang"/>
+                <a:cs typeface="Karnchang"/>
+                <a:sym typeface="Karnchang"/>
+              </a:rPr>
+              <a:t> </a:t>
+            </a:r>
+            <a:r>
+              <a:rPr lang="en-US" sz="2800" dirty="0" err="1">
+                <a:solidFill>
+                  <a:srgbClr val="000000"/>
+                </a:solidFill>
+                <a:latin typeface="Karnchang"/>
+                <a:ea typeface="Karnchang"/>
+                <a:cs typeface="Karnchang"/>
+                <a:sym typeface="Karnchang"/>
+              </a:rPr>
+              <a:t>tidak</a:t>
+            </a:r>
+            <a:r>
+              <a:rPr lang="en-US" sz="2800" dirty="0">
+                <a:solidFill>
+                  <a:srgbClr val="000000"/>
+                </a:solidFill>
+                <a:latin typeface="Karnchang"/>
+                <a:ea typeface="Karnchang"/>
+                <a:cs typeface="Karnchang"/>
+                <a:sym typeface="Karnchang"/>
+              </a:rPr>
+              <a:t> </a:t>
+            </a:r>
+            <a:r>
+              <a:rPr lang="en-US" sz="2800" dirty="0" err="1">
+                <a:solidFill>
+                  <a:srgbClr val="000000"/>
+                </a:solidFill>
+                <a:latin typeface="Karnchang"/>
+                <a:ea typeface="Karnchang"/>
+                <a:cs typeface="Karnchang"/>
+                <a:sym typeface="Karnchang"/>
+              </a:rPr>
+              <a:t>terlepas</a:t>
+            </a:r>
+            <a:r>
+              <a:rPr lang="en-US" sz="2800" dirty="0">
+                <a:solidFill>
+                  <a:srgbClr val="000000"/>
+                </a:solidFill>
+                <a:latin typeface="Karnchang"/>
+                <a:ea typeface="Karnchang"/>
+                <a:cs typeface="Karnchang"/>
+                <a:sym typeface="Karnchang"/>
+              </a:rPr>
+              <a:t> </a:t>
+            </a:r>
+            <a:r>
+              <a:rPr lang="en-US" sz="2800" dirty="0" err="1">
+                <a:solidFill>
+                  <a:srgbClr val="000000"/>
+                </a:solidFill>
+                <a:latin typeface="Karnchang"/>
+                <a:ea typeface="Karnchang"/>
+                <a:cs typeface="Karnchang"/>
+                <a:sym typeface="Karnchang"/>
+              </a:rPr>
+              <a:t>dari</a:t>
+            </a:r>
+            <a:r>
+              <a:rPr lang="en-US" sz="2800" dirty="0">
+                <a:solidFill>
+                  <a:srgbClr val="000000"/>
+                </a:solidFill>
+                <a:latin typeface="Karnchang"/>
+                <a:ea typeface="Karnchang"/>
+                <a:cs typeface="Karnchang"/>
+                <a:sym typeface="Karnchang"/>
+              </a:rPr>
+              <a:t> </a:t>
+            </a:r>
+            <a:r>
+              <a:rPr lang="en-US" sz="2800" dirty="0" err="1">
+                <a:solidFill>
+                  <a:srgbClr val="000000"/>
+                </a:solidFill>
+                <a:latin typeface="Karnchang"/>
+                <a:ea typeface="Karnchang"/>
+                <a:cs typeface="Karnchang"/>
+                <a:sym typeface="Karnchang"/>
+              </a:rPr>
+              <a:t>banyaknya</a:t>
+            </a:r>
+            <a:r>
+              <a:rPr lang="en-US" sz="2800" dirty="0">
+                <a:solidFill>
+                  <a:srgbClr val="000000"/>
+                </a:solidFill>
+                <a:latin typeface="Karnchang"/>
+                <a:ea typeface="Karnchang"/>
+                <a:cs typeface="Karnchang"/>
+                <a:sym typeface="Karnchang"/>
+              </a:rPr>
+              <a:t> motor yang </a:t>
+            </a:r>
+            <a:r>
+              <a:rPr lang="en-US" sz="2800" dirty="0" err="1">
+                <a:solidFill>
+                  <a:srgbClr val="000000"/>
+                </a:solidFill>
+                <a:latin typeface="Karnchang"/>
+                <a:ea typeface="Karnchang"/>
+                <a:cs typeface="Karnchang"/>
+                <a:sym typeface="Karnchang"/>
+              </a:rPr>
+              <a:t>akan</a:t>
+            </a:r>
+            <a:r>
+              <a:rPr lang="en-US" sz="2800" dirty="0">
+                <a:solidFill>
+                  <a:srgbClr val="000000"/>
+                </a:solidFill>
+                <a:latin typeface="Karnchang"/>
+                <a:ea typeface="Karnchang"/>
+                <a:cs typeface="Karnchang"/>
+                <a:sym typeface="Karnchang"/>
+              </a:rPr>
+              <a:t> </a:t>
+            </a:r>
+            <a:r>
+              <a:rPr lang="en-US" sz="2800" dirty="0" err="1">
+                <a:solidFill>
+                  <a:srgbClr val="000000"/>
+                </a:solidFill>
+                <a:latin typeface="Karnchang"/>
+                <a:ea typeface="Karnchang"/>
+                <a:cs typeface="Karnchang"/>
+                <a:sym typeface="Karnchang"/>
+              </a:rPr>
+              <a:t>dijual</a:t>
+            </a:r>
+            <a:r>
+              <a:rPr lang="en-US" sz="2800" dirty="0">
+                <a:solidFill>
+                  <a:srgbClr val="000000"/>
+                </a:solidFill>
+                <a:latin typeface="Karnchang"/>
+                <a:ea typeface="Karnchang"/>
+                <a:cs typeface="Karnchang"/>
+                <a:sym typeface="Karnchang"/>
+              </a:rPr>
+              <a:t> pada </a:t>
+            </a:r>
+            <a:r>
+              <a:rPr lang="en-US" sz="2800" dirty="0" err="1">
+                <a:solidFill>
+                  <a:srgbClr val="000000"/>
+                </a:solidFill>
+                <a:latin typeface="Karnchang"/>
+                <a:ea typeface="Karnchang"/>
+                <a:cs typeface="Karnchang"/>
+                <a:sym typeface="Karnchang"/>
+              </a:rPr>
+              <a:t>kios</a:t>
+            </a:r>
+            <a:r>
+              <a:rPr lang="en-US" sz="2800" dirty="0">
+                <a:solidFill>
+                  <a:srgbClr val="000000"/>
+                </a:solidFill>
+                <a:latin typeface="Karnchang"/>
+                <a:ea typeface="Karnchang"/>
+                <a:cs typeface="Karnchang"/>
+                <a:sym typeface="Karnchang"/>
+              </a:rPr>
+              <a:t> </a:t>
+            </a:r>
+            <a:r>
+              <a:rPr lang="en-US" sz="2800" dirty="0" err="1">
+                <a:solidFill>
+                  <a:srgbClr val="000000"/>
+                </a:solidFill>
+                <a:latin typeface="Karnchang"/>
+                <a:ea typeface="Karnchang"/>
+                <a:cs typeface="Karnchang"/>
+                <a:sym typeface="Karnchang"/>
+              </a:rPr>
+              <a:t>tersebut</a:t>
+            </a:r>
+            <a:r>
+              <a:rPr lang="en-US" sz="2800" dirty="0">
+                <a:solidFill>
+                  <a:srgbClr val="000000"/>
+                </a:solidFill>
+                <a:latin typeface="Karnchang"/>
+                <a:ea typeface="Karnchang"/>
+                <a:cs typeface="Karnchang"/>
+                <a:sym typeface="Karnchang"/>
+              </a:rPr>
+              <a:t> dan </a:t>
+            </a:r>
+            <a:r>
+              <a:rPr lang="en-US" sz="2800" dirty="0" err="1">
+                <a:solidFill>
+                  <a:srgbClr val="000000"/>
+                </a:solidFill>
+                <a:latin typeface="Karnchang"/>
+                <a:ea typeface="Karnchang"/>
+                <a:cs typeface="Karnchang"/>
+                <a:sym typeface="Karnchang"/>
+              </a:rPr>
+              <a:t>banyaknya</a:t>
+            </a:r>
+            <a:r>
+              <a:rPr lang="en-US" sz="2800" dirty="0">
+                <a:solidFill>
+                  <a:srgbClr val="000000"/>
+                </a:solidFill>
+                <a:latin typeface="Karnchang"/>
+                <a:ea typeface="Karnchang"/>
+                <a:cs typeface="Karnchang"/>
+                <a:sym typeface="Karnchang"/>
+              </a:rPr>
+              <a:t> </a:t>
+            </a:r>
+            <a:r>
+              <a:rPr lang="en-US" sz="2800" dirty="0" err="1">
+                <a:solidFill>
+                  <a:srgbClr val="000000"/>
+                </a:solidFill>
+                <a:latin typeface="Karnchang"/>
+                <a:ea typeface="Karnchang"/>
+                <a:cs typeface="Karnchang"/>
+                <a:sym typeface="Karnchang"/>
+              </a:rPr>
+              <a:t>konsumen</a:t>
+            </a:r>
+            <a:r>
+              <a:rPr lang="en-US" sz="2800" dirty="0">
+                <a:solidFill>
+                  <a:srgbClr val="000000"/>
+                </a:solidFill>
+                <a:latin typeface="Karnchang"/>
+                <a:ea typeface="Karnchang"/>
+                <a:cs typeface="Karnchang"/>
+                <a:sym typeface="Karnchang"/>
+              </a:rPr>
+              <a:t> </a:t>
+            </a:r>
+            <a:r>
+              <a:rPr lang="en-US" sz="2800" dirty="0" err="1">
+                <a:solidFill>
+                  <a:srgbClr val="000000"/>
+                </a:solidFill>
+                <a:latin typeface="Karnchang"/>
+                <a:ea typeface="Karnchang"/>
+                <a:cs typeface="Karnchang"/>
+                <a:sym typeface="Karnchang"/>
+              </a:rPr>
+              <a:t>atau</a:t>
+            </a:r>
+            <a:r>
+              <a:rPr lang="en-US" sz="2800" dirty="0">
+                <a:solidFill>
+                  <a:srgbClr val="000000"/>
+                </a:solidFill>
+                <a:latin typeface="Karnchang"/>
+                <a:ea typeface="Karnchang"/>
+                <a:cs typeface="Karnchang"/>
+                <a:sym typeface="Karnchang"/>
+              </a:rPr>
+              <a:t> </a:t>
+            </a:r>
+            <a:r>
+              <a:rPr lang="en-US" sz="2800" dirty="0" err="1">
+                <a:solidFill>
+                  <a:srgbClr val="000000"/>
+                </a:solidFill>
+                <a:latin typeface="Karnchang"/>
+                <a:ea typeface="Karnchang"/>
+                <a:cs typeface="Karnchang"/>
+                <a:sym typeface="Karnchang"/>
+              </a:rPr>
+              <a:t>pelanggan</a:t>
+            </a:r>
+            <a:r>
+              <a:rPr lang="en-US" sz="2800" dirty="0">
+                <a:solidFill>
+                  <a:srgbClr val="000000"/>
+                </a:solidFill>
+                <a:latin typeface="Karnchang"/>
+                <a:ea typeface="Karnchang"/>
+                <a:cs typeface="Karnchang"/>
+                <a:sym typeface="Karnchang"/>
+              </a:rPr>
+              <a:t> yang </a:t>
+            </a:r>
+            <a:r>
+              <a:rPr lang="en-US" sz="2800" dirty="0" err="1">
+                <a:solidFill>
+                  <a:srgbClr val="000000"/>
+                </a:solidFill>
+                <a:latin typeface="Karnchang"/>
+                <a:ea typeface="Karnchang"/>
+                <a:cs typeface="Karnchang"/>
+                <a:sym typeface="Karnchang"/>
+              </a:rPr>
+              <a:t>akan</a:t>
+            </a:r>
+            <a:r>
+              <a:rPr lang="en-US" sz="2800" dirty="0">
+                <a:solidFill>
+                  <a:srgbClr val="000000"/>
+                </a:solidFill>
+                <a:latin typeface="Karnchang"/>
+                <a:ea typeface="Karnchang"/>
+                <a:cs typeface="Karnchang"/>
+                <a:sym typeface="Karnchang"/>
+              </a:rPr>
+              <a:t> </a:t>
+            </a:r>
+            <a:r>
+              <a:rPr lang="en-US" sz="2800" dirty="0" err="1">
+                <a:solidFill>
+                  <a:srgbClr val="000000"/>
+                </a:solidFill>
+                <a:latin typeface="Karnchang"/>
+                <a:ea typeface="Karnchang"/>
+                <a:cs typeface="Karnchang"/>
+                <a:sym typeface="Karnchang"/>
+              </a:rPr>
+              <a:t>membeli</a:t>
+            </a:r>
+            <a:r>
+              <a:rPr lang="en-US" sz="2800" dirty="0">
+                <a:solidFill>
+                  <a:srgbClr val="000000"/>
+                </a:solidFill>
+                <a:latin typeface="Karnchang"/>
+                <a:ea typeface="Karnchang"/>
+                <a:cs typeface="Karnchang"/>
+                <a:sym typeface="Karnchang"/>
+              </a:rPr>
+              <a:t> motor-motor </a:t>
+            </a:r>
+            <a:r>
+              <a:rPr lang="en-US" sz="2800" dirty="0" err="1">
+                <a:solidFill>
+                  <a:srgbClr val="000000"/>
+                </a:solidFill>
+                <a:latin typeface="Karnchang"/>
+                <a:ea typeface="Karnchang"/>
+                <a:cs typeface="Karnchang"/>
+                <a:sym typeface="Karnchang"/>
+              </a:rPr>
+              <a:t>tersebut</a:t>
+            </a:r>
+            <a:r>
+              <a:rPr lang="en-US" sz="2800" dirty="0">
+                <a:solidFill>
+                  <a:srgbClr val="000000"/>
+                </a:solidFill>
+                <a:latin typeface="Karnchang"/>
+                <a:ea typeface="Karnchang"/>
+                <a:cs typeface="Karnchang"/>
+                <a:sym typeface="Karnchang"/>
+              </a:rPr>
+              <a:t>, dan </a:t>
+            </a:r>
+            <a:r>
+              <a:rPr lang="en-US" sz="2800" dirty="0" err="1">
+                <a:solidFill>
+                  <a:srgbClr val="000000"/>
+                </a:solidFill>
+                <a:latin typeface="Karnchang"/>
+                <a:ea typeface="Karnchang"/>
+                <a:cs typeface="Karnchang"/>
+                <a:sym typeface="Karnchang"/>
+              </a:rPr>
+              <a:t>tentunya</a:t>
+            </a:r>
+            <a:r>
+              <a:rPr lang="en-US" sz="2800" dirty="0">
+                <a:solidFill>
+                  <a:srgbClr val="000000"/>
+                </a:solidFill>
+                <a:latin typeface="Karnchang"/>
+                <a:ea typeface="Karnchang"/>
+                <a:cs typeface="Karnchang"/>
+                <a:sym typeface="Karnchang"/>
+              </a:rPr>
+              <a:t> </a:t>
+            </a:r>
+            <a:r>
+              <a:rPr lang="en-US" sz="2800" dirty="0" err="1">
+                <a:solidFill>
+                  <a:srgbClr val="000000"/>
+                </a:solidFill>
+                <a:latin typeface="Karnchang"/>
+                <a:ea typeface="Karnchang"/>
+                <a:cs typeface="Karnchang"/>
+                <a:sym typeface="Karnchang"/>
+              </a:rPr>
+              <a:t>pasti</a:t>
+            </a:r>
+            <a:r>
+              <a:rPr lang="en-US" sz="2800" dirty="0">
+                <a:solidFill>
+                  <a:srgbClr val="000000"/>
+                </a:solidFill>
+                <a:latin typeface="Karnchang"/>
+                <a:ea typeface="Karnchang"/>
+                <a:cs typeface="Karnchang"/>
+                <a:sym typeface="Karnchang"/>
+              </a:rPr>
+              <a:t> </a:t>
+            </a:r>
+            <a:r>
+              <a:rPr lang="en-US" sz="2800" dirty="0" err="1">
+                <a:solidFill>
+                  <a:srgbClr val="000000"/>
+                </a:solidFill>
+                <a:latin typeface="Karnchang"/>
+                <a:ea typeface="Karnchang"/>
+                <a:cs typeface="Karnchang"/>
+                <a:sym typeface="Karnchang"/>
+              </a:rPr>
+              <a:t>membutuhkan</a:t>
+            </a:r>
+            <a:r>
+              <a:rPr lang="en-US" sz="2800" dirty="0">
+                <a:solidFill>
+                  <a:srgbClr val="000000"/>
+                </a:solidFill>
+                <a:latin typeface="Karnchang"/>
+                <a:ea typeface="Karnchang"/>
+                <a:cs typeface="Karnchang"/>
+                <a:sym typeface="Karnchang"/>
+              </a:rPr>
+              <a:t> </a:t>
+            </a:r>
+            <a:r>
+              <a:rPr lang="en-US" sz="2800" dirty="0" err="1">
+                <a:solidFill>
+                  <a:srgbClr val="000000"/>
+                </a:solidFill>
+                <a:latin typeface="Karnchang"/>
+                <a:ea typeface="Karnchang"/>
+                <a:cs typeface="Karnchang"/>
+                <a:sym typeface="Karnchang"/>
+              </a:rPr>
+              <a:t>sebuah</a:t>
+            </a:r>
+            <a:r>
+              <a:rPr lang="en-US" sz="2800" dirty="0">
+                <a:solidFill>
+                  <a:srgbClr val="000000"/>
+                </a:solidFill>
+                <a:latin typeface="Karnchang"/>
+                <a:ea typeface="Karnchang"/>
+                <a:cs typeface="Karnchang"/>
+                <a:sym typeface="Karnchang"/>
+              </a:rPr>
+              <a:t> </a:t>
+            </a:r>
+            <a:r>
+              <a:rPr lang="en-US" sz="2800" dirty="0" err="1">
+                <a:solidFill>
+                  <a:srgbClr val="000000"/>
+                </a:solidFill>
+                <a:latin typeface="Karnchang"/>
+                <a:ea typeface="Karnchang"/>
+                <a:cs typeface="Karnchang"/>
+                <a:sym typeface="Karnchang"/>
+              </a:rPr>
+              <a:t>struktur</a:t>
+            </a:r>
+            <a:r>
+              <a:rPr lang="en-US" sz="2800" dirty="0">
+                <a:solidFill>
+                  <a:srgbClr val="000000"/>
+                </a:solidFill>
+                <a:latin typeface="Karnchang"/>
+                <a:ea typeface="Karnchang"/>
+                <a:cs typeface="Karnchang"/>
+                <a:sym typeface="Karnchang"/>
+              </a:rPr>
+              <a:t> </a:t>
+            </a:r>
+            <a:r>
+              <a:rPr lang="en-US" sz="2800" dirty="0" err="1">
+                <a:solidFill>
+                  <a:srgbClr val="000000"/>
+                </a:solidFill>
+                <a:latin typeface="Karnchang"/>
+                <a:ea typeface="Karnchang"/>
+                <a:cs typeface="Karnchang"/>
+                <a:sym typeface="Karnchang"/>
+              </a:rPr>
+              <a:t>pengelolahan</a:t>
+            </a:r>
+            <a:r>
+              <a:rPr lang="en-US" sz="2800" dirty="0">
+                <a:solidFill>
+                  <a:srgbClr val="000000"/>
+                </a:solidFill>
+                <a:latin typeface="Karnchang"/>
+                <a:ea typeface="Karnchang"/>
+                <a:cs typeface="Karnchang"/>
+                <a:sym typeface="Karnchang"/>
+              </a:rPr>
+              <a:t> data yang </a:t>
+            </a:r>
+            <a:r>
+              <a:rPr lang="en-US" sz="2800" dirty="0" err="1">
+                <a:solidFill>
+                  <a:srgbClr val="000000"/>
+                </a:solidFill>
+                <a:latin typeface="Karnchang"/>
+                <a:ea typeface="Karnchang"/>
+                <a:cs typeface="Karnchang"/>
+                <a:sym typeface="Karnchang"/>
+              </a:rPr>
+              <a:t>baik</a:t>
+            </a:r>
+            <a:r>
+              <a:rPr lang="en-US" sz="2800" dirty="0">
+                <a:solidFill>
+                  <a:srgbClr val="000000"/>
+                </a:solidFill>
+                <a:latin typeface="Karnchang"/>
+                <a:ea typeface="Karnchang"/>
+                <a:cs typeface="Karnchang"/>
+                <a:sym typeface="Karnchang"/>
+              </a:rPr>
+              <a:t> </a:t>
+            </a:r>
+            <a:r>
+              <a:rPr lang="en-US" sz="2800" dirty="0" err="1">
+                <a:solidFill>
+                  <a:srgbClr val="000000"/>
+                </a:solidFill>
+                <a:latin typeface="Karnchang"/>
+                <a:ea typeface="Karnchang"/>
+                <a:cs typeface="Karnchang"/>
+                <a:sym typeface="Karnchang"/>
+              </a:rPr>
+              <a:t>Sehingga</a:t>
+            </a:r>
+            <a:r>
+              <a:rPr lang="en-US" sz="2800" dirty="0">
+                <a:solidFill>
+                  <a:srgbClr val="000000"/>
+                </a:solidFill>
+                <a:latin typeface="Karnchang"/>
+                <a:ea typeface="Karnchang"/>
+                <a:cs typeface="Karnchang"/>
+                <a:sym typeface="Karnchang"/>
+              </a:rPr>
+              <a:t> </a:t>
+            </a:r>
+            <a:r>
+              <a:rPr lang="en-US" sz="2800" dirty="0" err="1">
+                <a:solidFill>
+                  <a:srgbClr val="000000"/>
+                </a:solidFill>
+                <a:latin typeface="Karnchang"/>
+                <a:ea typeface="Karnchang"/>
+                <a:cs typeface="Karnchang"/>
+                <a:sym typeface="Karnchang"/>
+              </a:rPr>
+              <a:t>untuk</a:t>
+            </a:r>
+            <a:r>
+              <a:rPr lang="en-US" sz="2800" dirty="0">
+                <a:solidFill>
+                  <a:srgbClr val="000000"/>
+                </a:solidFill>
+                <a:latin typeface="Karnchang"/>
+                <a:ea typeface="Karnchang"/>
+                <a:cs typeface="Karnchang"/>
+                <a:sym typeface="Karnchang"/>
+              </a:rPr>
+              <a:t> </a:t>
+            </a:r>
+            <a:r>
+              <a:rPr lang="en-US" sz="2800" dirty="0" err="1">
+                <a:solidFill>
+                  <a:srgbClr val="000000"/>
+                </a:solidFill>
+                <a:latin typeface="Karnchang"/>
+                <a:ea typeface="Karnchang"/>
+                <a:cs typeface="Karnchang"/>
+                <a:sym typeface="Karnchang"/>
+              </a:rPr>
+              <a:t>membantu</a:t>
+            </a:r>
+            <a:r>
+              <a:rPr lang="en-US" sz="2800" dirty="0">
+                <a:solidFill>
+                  <a:srgbClr val="000000"/>
+                </a:solidFill>
+                <a:latin typeface="Karnchang"/>
+                <a:ea typeface="Karnchang"/>
+                <a:cs typeface="Karnchang"/>
+                <a:sym typeface="Karnchang"/>
+              </a:rPr>
+              <a:t> </a:t>
+            </a:r>
+            <a:r>
+              <a:rPr lang="en-US" sz="2800" dirty="0" err="1">
+                <a:solidFill>
+                  <a:srgbClr val="000000"/>
+                </a:solidFill>
+                <a:latin typeface="Karnchang"/>
+                <a:ea typeface="Karnchang"/>
+                <a:cs typeface="Karnchang"/>
+                <a:sym typeface="Karnchang"/>
+              </a:rPr>
+              <a:t>usaha-usaha</a:t>
+            </a:r>
+            <a:r>
+              <a:rPr lang="en-US" sz="2800" dirty="0">
+                <a:solidFill>
+                  <a:srgbClr val="000000"/>
+                </a:solidFill>
+                <a:latin typeface="Karnchang"/>
+                <a:ea typeface="Karnchang"/>
+                <a:cs typeface="Karnchang"/>
+                <a:sym typeface="Karnchang"/>
+              </a:rPr>
+              <a:t> </a:t>
+            </a:r>
+            <a:r>
+              <a:rPr lang="en-US" sz="2800" dirty="0" err="1">
+                <a:solidFill>
+                  <a:srgbClr val="000000"/>
+                </a:solidFill>
+                <a:latin typeface="Karnchang"/>
+                <a:ea typeface="Karnchang"/>
+                <a:cs typeface="Karnchang"/>
+                <a:sym typeface="Karnchang"/>
+              </a:rPr>
+              <a:t>kios</a:t>
+            </a:r>
+            <a:r>
+              <a:rPr lang="en-US" sz="2800" dirty="0">
+                <a:solidFill>
+                  <a:srgbClr val="000000"/>
+                </a:solidFill>
+                <a:latin typeface="Karnchang"/>
+                <a:ea typeface="Karnchang"/>
+                <a:cs typeface="Karnchang"/>
+                <a:sym typeface="Karnchang"/>
+              </a:rPr>
+              <a:t> motor second </a:t>
+            </a:r>
+            <a:r>
+              <a:rPr lang="en-US" sz="2800" dirty="0" err="1">
+                <a:solidFill>
+                  <a:srgbClr val="000000"/>
+                </a:solidFill>
+                <a:latin typeface="Karnchang"/>
+                <a:ea typeface="Karnchang"/>
+                <a:cs typeface="Karnchang"/>
+                <a:sym typeface="Karnchang"/>
+              </a:rPr>
+              <a:t>ini</a:t>
+            </a:r>
+            <a:r>
+              <a:rPr lang="en-US" sz="2800" dirty="0">
+                <a:solidFill>
+                  <a:srgbClr val="000000"/>
+                </a:solidFill>
+                <a:latin typeface="Karnchang"/>
+                <a:ea typeface="Karnchang"/>
+                <a:cs typeface="Karnchang"/>
+                <a:sym typeface="Karnchang"/>
+              </a:rPr>
+              <a:t> </a:t>
+            </a:r>
+            <a:r>
+              <a:rPr lang="en-US" sz="2800" dirty="0" err="1">
+                <a:solidFill>
+                  <a:srgbClr val="000000"/>
+                </a:solidFill>
+                <a:latin typeface="Karnchang"/>
+                <a:ea typeface="Karnchang"/>
+                <a:cs typeface="Karnchang"/>
+                <a:sym typeface="Karnchang"/>
+              </a:rPr>
+              <a:t>dalam</a:t>
+            </a:r>
+            <a:r>
+              <a:rPr lang="en-US" sz="2800" dirty="0">
+                <a:solidFill>
+                  <a:srgbClr val="000000"/>
+                </a:solidFill>
+                <a:latin typeface="Karnchang"/>
+                <a:ea typeface="Karnchang"/>
+                <a:cs typeface="Karnchang"/>
+                <a:sym typeface="Karnchang"/>
+              </a:rPr>
+              <a:t> </a:t>
+            </a:r>
+            <a:r>
+              <a:rPr lang="en-US" sz="2800" dirty="0" err="1">
+                <a:solidFill>
+                  <a:srgbClr val="000000"/>
+                </a:solidFill>
+                <a:latin typeface="Karnchang"/>
+                <a:ea typeface="Karnchang"/>
+                <a:cs typeface="Karnchang"/>
+                <a:sym typeface="Karnchang"/>
+              </a:rPr>
+              <a:t>mengelola</a:t>
+            </a:r>
+            <a:r>
+              <a:rPr lang="en-US" sz="2800" dirty="0">
+                <a:solidFill>
+                  <a:srgbClr val="000000"/>
+                </a:solidFill>
+                <a:latin typeface="Karnchang"/>
+                <a:ea typeface="Karnchang"/>
+                <a:cs typeface="Karnchang"/>
+                <a:sym typeface="Karnchang"/>
+              </a:rPr>
+              <a:t> </a:t>
+            </a:r>
+            <a:r>
+              <a:rPr lang="en-US" sz="2800" dirty="0" err="1">
+                <a:solidFill>
+                  <a:srgbClr val="000000"/>
+                </a:solidFill>
+                <a:latin typeface="Karnchang"/>
+                <a:ea typeface="Karnchang"/>
+                <a:cs typeface="Karnchang"/>
+                <a:sym typeface="Karnchang"/>
+              </a:rPr>
+              <a:t>seputar</a:t>
+            </a:r>
+            <a:r>
+              <a:rPr lang="en-US" sz="2800" dirty="0">
+                <a:solidFill>
+                  <a:srgbClr val="000000"/>
+                </a:solidFill>
+                <a:latin typeface="Karnchang"/>
+                <a:ea typeface="Karnchang"/>
+                <a:cs typeface="Karnchang"/>
+                <a:sym typeface="Karnchang"/>
+              </a:rPr>
+              <a:t> data-data motor dan </a:t>
+            </a:r>
+            <a:r>
+              <a:rPr lang="en-US" sz="2800" dirty="0" err="1">
+                <a:solidFill>
+                  <a:srgbClr val="000000"/>
+                </a:solidFill>
+                <a:latin typeface="Karnchang"/>
+                <a:ea typeface="Karnchang"/>
+                <a:cs typeface="Karnchang"/>
+                <a:sym typeface="Karnchang"/>
+              </a:rPr>
+              <a:t>pelanggan</a:t>
+            </a:r>
+            <a:r>
+              <a:rPr lang="en-US" sz="2800" dirty="0">
+                <a:solidFill>
+                  <a:srgbClr val="000000"/>
+                </a:solidFill>
+                <a:latin typeface="Karnchang"/>
+                <a:ea typeface="Karnchang"/>
+                <a:cs typeface="Karnchang"/>
+                <a:sym typeface="Karnchang"/>
+              </a:rPr>
+              <a:t>, </a:t>
+            </a:r>
+            <a:r>
+              <a:rPr lang="en-US" sz="2800" dirty="0" err="1">
+                <a:solidFill>
+                  <a:srgbClr val="000000"/>
+                </a:solidFill>
+                <a:latin typeface="Karnchang"/>
+                <a:ea typeface="Karnchang"/>
+                <a:cs typeface="Karnchang"/>
+                <a:sym typeface="Karnchang"/>
+              </a:rPr>
+              <a:t>maupun</a:t>
+            </a:r>
+            <a:r>
+              <a:rPr lang="en-US" sz="2800" dirty="0">
+                <a:solidFill>
+                  <a:srgbClr val="000000"/>
+                </a:solidFill>
+                <a:latin typeface="Karnchang"/>
+                <a:ea typeface="Karnchang"/>
+                <a:cs typeface="Karnchang"/>
+                <a:sym typeface="Karnchang"/>
+              </a:rPr>
+              <a:t> </a:t>
+            </a:r>
+            <a:r>
+              <a:rPr lang="en-US" sz="2800" dirty="0" err="1">
+                <a:solidFill>
+                  <a:srgbClr val="000000"/>
+                </a:solidFill>
+                <a:latin typeface="Karnchang"/>
+                <a:ea typeface="Karnchang"/>
+                <a:cs typeface="Karnchang"/>
+                <a:sym typeface="Karnchang"/>
+              </a:rPr>
+              <a:t>melakukan</a:t>
+            </a:r>
+            <a:r>
+              <a:rPr lang="en-US" sz="2800" dirty="0">
+                <a:solidFill>
+                  <a:srgbClr val="000000"/>
+                </a:solidFill>
+                <a:latin typeface="Karnchang"/>
+                <a:ea typeface="Karnchang"/>
+                <a:cs typeface="Karnchang"/>
+                <a:sym typeface="Karnchang"/>
+              </a:rPr>
+              <a:t> </a:t>
+            </a:r>
+            <a:r>
+              <a:rPr lang="en-US" sz="2800" dirty="0" err="1">
+                <a:solidFill>
+                  <a:srgbClr val="000000"/>
+                </a:solidFill>
+                <a:latin typeface="Karnchang"/>
+                <a:ea typeface="Karnchang"/>
+                <a:cs typeface="Karnchang"/>
+                <a:sym typeface="Karnchang"/>
+              </a:rPr>
+              <a:t>transaksi</a:t>
+            </a:r>
+            <a:r>
+              <a:rPr lang="en-US" sz="2800" dirty="0">
+                <a:solidFill>
+                  <a:srgbClr val="000000"/>
+                </a:solidFill>
+                <a:latin typeface="Karnchang"/>
+                <a:ea typeface="Karnchang"/>
+                <a:cs typeface="Karnchang"/>
+                <a:sym typeface="Karnchang"/>
+              </a:rPr>
+              <a:t> </a:t>
+            </a:r>
+            <a:r>
+              <a:rPr lang="en-US" sz="2800" dirty="0" err="1">
+                <a:solidFill>
+                  <a:srgbClr val="000000"/>
+                </a:solidFill>
+                <a:latin typeface="Karnchang"/>
+                <a:ea typeface="Karnchang"/>
+                <a:cs typeface="Karnchang"/>
+                <a:sym typeface="Karnchang"/>
+              </a:rPr>
+              <a:t>pembayaran</a:t>
+            </a:r>
+            <a:r>
+              <a:rPr lang="en-US" sz="2800" dirty="0">
+                <a:solidFill>
+                  <a:srgbClr val="000000"/>
+                </a:solidFill>
+                <a:latin typeface="Karnchang"/>
+                <a:ea typeface="Karnchang"/>
+                <a:cs typeface="Karnchang"/>
+                <a:sym typeface="Karnchang"/>
+              </a:rPr>
+              <a:t>, </a:t>
+            </a:r>
+            <a:r>
+              <a:rPr lang="en-US" sz="2800" dirty="0" err="1">
+                <a:solidFill>
+                  <a:srgbClr val="000000"/>
+                </a:solidFill>
+                <a:latin typeface="Karnchang"/>
+                <a:ea typeface="Karnchang"/>
+                <a:cs typeface="Karnchang"/>
+                <a:sym typeface="Karnchang"/>
+              </a:rPr>
+              <a:t>maka</a:t>
+            </a:r>
+            <a:r>
+              <a:rPr lang="en-US" sz="2800" dirty="0">
+                <a:solidFill>
+                  <a:srgbClr val="000000"/>
+                </a:solidFill>
+                <a:latin typeface="Karnchang"/>
+                <a:ea typeface="Karnchang"/>
+                <a:cs typeface="Karnchang"/>
+                <a:sym typeface="Karnchang"/>
+              </a:rPr>
+              <a:t> </a:t>
+            </a:r>
+            <a:r>
+              <a:rPr lang="en-US" sz="2800" dirty="0" err="1">
+                <a:solidFill>
+                  <a:srgbClr val="000000"/>
+                </a:solidFill>
+                <a:latin typeface="Karnchang"/>
+                <a:ea typeface="Karnchang"/>
+                <a:cs typeface="Karnchang"/>
+                <a:sym typeface="Karnchang"/>
+              </a:rPr>
+              <a:t>dibuatlah</a:t>
+            </a:r>
+            <a:r>
+              <a:rPr lang="en-US" sz="2800" dirty="0">
+                <a:solidFill>
+                  <a:srgbClr val="000000"/>
+                </a:solidFill>
+                <a:latin typeface="Karnchang"/>
+                <a:ea typeface="Karnchang"/>
+                <a:cs typeface="Karnchang"/>
+                <a:sym typeface="Karnchang"/>
+              </a:rPr>
+              <a:t> </a:t>
+            </a:r>
+            <a:r>
+              <a:rPr lang="en-US" sz="2800" dirty="0" err="1">
+                <a:solidFill>
+                  <a:srgbClr val="000000"/>
+                </a:solidFill>
+                <a:latin typeface="Karnchang"/>
+                <a:ea typeface="Karnchang"/>
+                <a:cs typeface="Karnchang"/>
+                <a:sym typeface="Karnchang"/>
+              </a:rPr>
+              <a:t>aplikasi</a:t>
+            </a:r>
+            <a:r>
+              <a:rPr lang="en-US" sz="2800" dirty="0">
+                <a:solidFill>
+                  <a:srgbClr val="000000"/>
+                </a:solidFill>
+                <a:latin typeface="Karnchang"/>
+                <a:ea typeface="Karnchang"/>
+                <a:cs typeface="Karnchang"/>
+                <a:sym typeface="Karnchang"/>
+              </a:rPr>
+              <a:t> </a:t>
+            </a:r>
+            <a:r>
+              <a:rPr lang="en-US" sz="2800" dirty="0" err="1">
                 <a:solidFill>
                   <a:srgbClr val="000000"/>
                 </a:solidFill>
@@ -6445,55 +7537,31 @@
               <a:t>kredit</a:t>
             </a:r>
             <a:r>
-              <a:rPr lang="en-US" sz="3370" dirty="0">
-                <a:solidFill>
-                  <a:srgbClr val="000000"/>
-                </a:solidFill>
-                <a:latin typeface="Karnchang"/>
-                <a:ea typeface="Karnchang"/>
-                <a:cs typeface="Karnchang"/>
-                <a:sym typeface="Karnchang"/>
-              </a:rPr>
-              <a:t> motor di Indonesia yang </a:t>
-            </a:r>
-            <a:r>
-              <a:rPr lang="en-US" sz="3370" dirty="0" err="1">
-                <a:solidFill>
-                  <a:srgbClr val="000000"/>
-                </a:solidFill>
-                <a:latin typeface="Karnchang"/>
-                <a:ea typeface="Karnchang"/>
-                <a:cs typeface="Karnchang"/>
-                <a:sym typeface="Karnchang"/>
-              </a:rPr>
-              <a:t>pesat</a:t>
-            </a:r>
-            <a:r>
-              <a:rPr lang="en-US" sz="3370" dirty="0">
-                <a:solidFill>
-                  <a:srgbClr val="000000"/>
-                </a:solidFill>
-                <a:latin typeface="Karnchang"/>
-                <a:ea typeface="Karnchang"/>
-                <a:cs typeface="Karnchang"/>
-                <a:sym typeface="Karnchang"/>
-              </a:rPr>
-              <a:t> dan </a:t>
-            </a:r>
-            <a:r>
-              <a:rPr lang="en-US" sz="3370" dirty="0" err="1">
-                <a:solidFill>
-                  <a:srgbClr val="000000"/>
-                </a:solidFill>
-                <a:latin typeface="Karnchang"/>
-                <a:ea typeface="Karnchang"/>
-                <a:cs typeface="Karnchang"/>
-                <a:sym typeface="Karnchang"/>
-              </a:rPr>
-              <a:t>berkelanjutan</a:t>
-            </a:r>
-            <a:r>
-              <a:rPr lang="en-US" sz="3370" dirty="0">
+              <a:rPr lang="en-US" sz="2800" dirty="0">
+                <a:solidFill>
+                  <a:srgbClr val="000000"/>
+                </a:solidFill>
+                <a:latin typeface="Karnchang"/>
+                <a:ea typeface="Karnchang"/>
+                <a:cs typeface="Karnchang"/>
+                <a:sym typeface="Karnchang"/>
+              </a:rPr>
+              <a:t> motor </a:t>
+            </a:r>
+            <a:r>
+              <a:rPr lang="en-US" sz="2800" dirty="0" err="1">
+                <a:solidFill>
+                  <a:srgbClr val="000000"/>
+                </a:solidFill>
+                <a:latin typeface="Karnchang"/>
+                <a:ea typeface="Karnchang"/>
+                <a:cs typeface="Karnchang"/>
+                <a:sym typeface="Karnchang"/>
+              </a:rPr>
+              <a:t>sederhana</a:t>
+            </a:r>
+            <a:r>
+              <a:rPr lang="en-US" sz="2800" dirty="0">
                 <a:solidFill>
                   <a:srgbClr val="000000"/>
                 </a:solidFill>
@@ -6505,295 +7573,7 @@
               <a:t> </a:t>
             </a:r>
             <a:r>
-              <a:rPr lang="en-US" sz="3370" dirty="0" err="1">
-                <a:solidFill>
-                  <a:srgbClr val="000000"/>
-                </a:solidFill>
-                <a:latin typeface="Karnchang"/>
-                <a:ea typeface="Karnchang"/>
-                <a:cs typeface="Karnchang"/>
-                <a:sym typeface="Karnchang"/>
-              </a:rPr>
-              <a:t>dalam</a:t>
-            </a:r>
-            <a:r>
-              <a:rPr lang="en-US" sz="3370" dirty="0">
-                <a:solidFill>
-                  <a:srgbClr val="000000"/>
-                </a:solidFill>
-                <a:latin typeface="Karnchang"/>
-                <a:ea typeface="Karnchang"/>
-                <a:cs typeface="Karnchang"/>
-                <a:sym typeface="Karnchang"/>
-              </a:rPr>
-              <a:t> </a:t>
-            </a:r>
-            <a:r>
-              <a:rPr lang="en-US" sz="3370" dirty="0" err="1">
-                <a:solidFill>
-                  <a:srgbClr val="000000"/>
-                </a:solidFill>
-                <a:latin typeface="Karnchang"/>
-                <a:ea typeface="Karnchang"/>
-                <a:cs typeface="Karnchang"/>
-                <a:sym typeface="Karnchang"/>
-              </a:rPr>
-              <a:t>beberapa</a:t>
-            </a:r>
-            <a:r>
-              <a:rPr lang="en-US" sz="3370" dirty="0">
-                <a:solidFill>
-                  <a:srgbClr val="000000"/>
-                </a:solidFill>
-                <a:latin typeface="Karnchang"/>
-                <a:ea typeface="Karnchang"/>
-                <a:cs typeface="Karnchang"/>
-                <a:sym typeface="Karnchang"/>
-              </a:rPr>
-              <a:t> </a:t>
-            </a:r>
-            <a:r>
-              <a:rPr lang="en-US" sz="3370" dirty="0" err="1">
-                <a:solidFill>
-                  <a:srgbClr val="000000"/>
-                </a:solidFill>
-                <a:latin typeface="Karnchang"/>
-                <a:ea typeface="Karnchang"/>
-                <a:cs typeface="Karnchang"/>
-                <a:sym typeface="Karnchang"/>
-              </a:rPr>
-              <a:t>tahun</a:t>
-            </a:r>
-            <a:r>
-              <a:rPr lang="en-US" sz="3370" dirty="0">
-                <a:solidFill>
-                  <a:srgbClr val="000000"/>
-                </a:solidFill>
-                <a:latin typeface="Karnchang"/>
-                <a:ea typeface="Karnchang"/>
-                <a:cs typeface="Karnchang"/>
-                <a:sym typeface="Karnchang"/>
-              </a:rPr>
-              <a:t> </a:t>
-            </a:r>
-            <a:r>
-              <a:rPr lang="en-US" sz="3370" dirty="0" err="1">
-                <a:solidFill>
-                  <a:srgbClr val="000000"/>
-                </a:solidFill>
-                <a:latin typeface="Karnchang"/>
-                <a:ea typeface="Karnchang"/>
-                <a:cs typeface="Karnchang"/>
-                <a:sym typeface="Karnchang"/>
-              </a:rPr>
-              <a:t>terakhir</a:t>
-            </a:r>
-            <a:r>
-              <a:rPr lang="en-US" sz="3370" dirty="0">
-                <a:solidFill>
-                  <a:srgbClr val="000000"/>
-                </a:solidFill>
-                <a:latin typeface="Karnchang"/>
-                <a:ea typeface="Karnchang"/>
-                <a:cs typeface="Karnchang"/>
-                <a:sym typeface="Karnchang"/>
-              </a:rPr>
-              <a:t> </a:t>
-            </a:r>
-            <a:r>
-              <a:rPr lang="en-US" sz="3370" dirty="0" err="1">
-                <a:solidFill>
-                  <a:srgbClr val="000000"/>
-                </a:solidFill>
-                <a:latin typeface="Karnchang"/>
-                <a:ea typeface="Karnchang"/>
-                <a:cs typeface="Karnchang"/>
-                <a:sym typeface="Karnchang"/>
-              </a:rPr>
-              <a:t>telah</a:t>
-            </a:r>
-            <a:r>
-              <a:rPr lang="en-US" sz="3370" dirty="0">
-                <a:solidFill>
-                  <a:srgbClr val="000000"/>
-                </a:solidFill>
-                <a:latin typeface="Karnchang"/>
-                <a:ea typeface="Karnchang"/>
-                <a:cs typeface="Karnchang"/>
-                <a:sym typeface="Karnchang"/>
-              </a:rPr>
-              <a:t> </a:t>
-            </a:r>
-            <a:r>
-              <a:rPr lang="en-US" sz="3370" dirty="0" err="1">
-                <a:solidFill>
-                  <a:srgbClr val="000000"/>
-                </a:solidFill>
-                <a:latin typeface="Karnchang"/>
-                <a:ea typeface="Karnchang"/>
-                <a:cs typeface="Karnchang"/>
-                <a:sym typeface="Karnchang"/>
-              </a:rPr>
-              <a:t>meningkatkan</a:t>
-            </a:r>
-            <a:r>
-              <a:rPr lang="en-US" sz="3370" dirty="0">
-                <a:solidFill>
-                  <a:srgbClr val="000000"/>
-                </a:solidFill>
-                <a:latin typeface="Karnchang"/>
-                <a:ea typeface="Karnchang"/>
-                <a:cs typeface="Karnchang"/>
-                <a:sym typeface="Karnchang"/>
-              </a:rPr>
-              <a:t> </a:t>
-            </a:r>
-            <a:r>
-              <a:rPr lang="en-US" sz="3370" dirty="0" err="1">
-                <a:solidFill>
-                  <a:srgbClr val="000000"/>
-                </a:solidFill>
-                <a:latin typeface="Karnchang"/>
-                <a:ea typeface="Karnchang"/>
-                <a:cs typeface="Karnchang"/>
-                <a:sym typeface="Karnchang"/>
-              </a:rPr>
-              <a:t>kebutuhan</a:t>
-            </a:r>
-            <a:r>
-              <a:rPr lang="en-US" sz="3370" dirty="0">
-                <a:solidFill>
-                  <a:srgbClr val="000000"/>
-                </a:solidFill>
-                <a:latin typeface="Karnchang"/>
-                <a:ea typeface="Karnchang"/>
-                <a:cs typeface="Karnchang"/>
-                <a:sym typeface="Karnchang"/>
-              </a:rPr>
-              <a:t> </a:t>
-            </a:r>
-            <a:r>
-              <a:rPr lang="en-US" sz="3370" dirty="0" err="1">
-                <a:solidFill>
-                  <a:srgbClr val="000000"/>
-                </a:solidFill>
-                <a:latin typeface="Karnchang"/>
-                <a:ea typeface="Karnchang"/>
-                <a:cs typeface="Karnchang"/>
-                <a:sym typeface="Karnchang"/>
-              </a:rPr>
-              <a:t>akan</a:t>
-            </a:r>
-            <a:r>
-              <a:rPr lang="en-US" sz="3370" dirty="0">
-                <a:solidFill>
-                  <a:srgbClr val="000000"/>
-                </a:solidFill>
-                <a:latin typeface="Karnchang"/>
-                <a:ea typeface="Karnchang"/>
-                <a:cs typeface="Karnchang"/>
-                <a:sym typeface="Karnchang"/>
-              </a:rPr>
-              <a:t> </a:t>
-            </a:r>
-            <a:r>
-              <a:rPr lang="en-US" sz="3370" dirty="0" err="1">
-                <a:solidFill>
-                  <a:srgbClr val="000000"/>
-                </a:solidFill>
-                <a:latin typeface="Karnchang"/>
-                <a:ea typeface="Karnchang"/>
-                <a:cs typeface="Karnchang"/>
-                <a:sym typeface="Karnchang"/>
-              </a:rPr>
-              <a:t>sistem</a:t>
-            </a:r>
-            <a:r>
-              <a:rPr lang="en-US" sz="3370" dirty="0">
-                <a:solidFill>
-                  <a:srgbClr val="000000"/>
-                </a:solidFill>
-                <a:latin typeface="Karnchang"/>
-                <a:ea typeface="Karnchang"/>
-                <a:cs typeface="Karnchang"/>
-                <a:sym typeface="Karnchang"/>
-              </a:rPr>
-              <a:t> </a:t>
-            </a:r>
-            <a:r>
-              <a:rPr lang="en-US" sz="3370" dirty="0" err="1">
-                <a:solidFill>
-                  <a:srgbClr val="000000"/>
-                </a:solidFill>
-                <a:latin typeface="Karnchang"/>
-                <a:ea typeface="Karnchang"/>
-                <a:cs typeface="Karnchang"/>
-                <a:sym typeface="Karnchang"/>
-              </a:rPr>
-              <a:t>pengelolaan</a:t>
-            </a:r>
-            <a:r>
-              <a:rPr lang="en-US" sz="3370" dirty="0">
-                <a:solidFill>
-                  <a:srgbClr val="000000"/>
-                </a:solidFill>
-                <a:latin typeface="Karnchang"/>
-                <a:ea typeface="Karnchang"/>
-                <a:cs typeface="Karnchang"/>
-                <a:sym typeface="Karnchang"/>
-              </a:rPr>
-              <a:t> yang </a:t>
-            </a:r>
-            <a:r>
-              <a:rPr lang="en-US" sz="3370" dirty="0" err="1">
-                <a:solidFill>
-                  <a:srgbClr val="000000"/>
-                </a:solidFill>
-                <a:latin typeface="Karnchang"/>
-                <a:ea typeface="Karnchang"/>
-                <a:cs typeface="Karnchang"/>
-                <a:sym typeface="Karnchang"/>
-              </a:rPr>
-              <a:t>efektif</a:t>
-            </a:r>
-            <a:r>
-              <a:rPr lang="en-US" sz="3370" dirty="0">
-                <a:solidFill>
-                  <a:srgbClr val="000000"/>
-                </a:solidFill>
-                <a:latin typeface="Karnchang"/>
-                <a:ea typeface="Karnchang"/>
-                <a:cs typeface="Karnchang"/>
-                <a:sym typeface="Karnchang"/>
-              </a:rPr>
-              <a:t> dan </a:t>
-            </a:r>
-            <a:r>
-              <a:rPr lang="en-US" sz="3370" dirty="0" err="1">
-                <a:solidFill>
-                  <a:srgbClr val="000000"/>
-                </a:solidFill>
-                <a:latin typeface="Karnchang"/>
-                <a:ea typeface="Karnchang"/>
-                <a:cs typeface="Karnchang"/>
-                <a:sym typeface="Karnchang"/>
-              </a:rPr>
-              <a:t>efisien</a:t>
-            </a:r>
-            <a:r>
-              <a:rPr lang="en-US" sz="3370" dirty="0">
-                <a:solidFill>
-                  <a:srgbClr val="000000"/>
-                </a:solidFill>
-                <a:latin typeface="Karnchang"/>
-                <a:ea typeface="Karnchang"/>
-                <a:cs typeface="Karnchang"/>
-                <a:sym typeface="Karnchang"/>
-              </a:rPr>
-              <a:t>. Hal </a:t>
-            </a:r>
-            <a:r>
-              <a:rPr lang="en-US" sz="3370" dirty="0" err="1">
+              <a:rPr lang="en-US" sz="2800" dirty="0" err="1">
                 <a:solidFill>
                   <a:srgbClr val="000000"/>
                 </a:solidFill>
@@ -6805,271 +7585,7 @@
               <a:t>ini</a:t>
             </a:r>
             <a:r>
-              <a:rPr lang="en-US" sz="3370" dirty="0">
-                <a:solidFill>
-                  <a:srgbClr val="000000"/>
-                </a:solidFill>
-                <a:latin typeface="Karnchang"/>
-                <a:ea typeface="Karnchang"/>
-                <a:cs typeface="Karnchang"/>
-                <a:sym typeface="Karnchang"/>
-              </a:rPr>
-              <a:t> </a:t>
-            </a:r>
-            <a:r>
-              <a:rPr lang="en-US" sz="3370" dirty="0" err="1">
-                <a:solidFill>
-                  <a:srgbClr val="000000"/>
-                </a:solidFill>
-                <a:latin typeface="Karnchang"/>
-                <a:ea typeface="Karnchang"/>
-                <a:cs typeface="Karnchang"/>
-                <a:sym typeface="Karnchang"/>
-              </a:rPr>
-              <a:t>disebabkan</a:t>
-            </a:r>
-            <a:r>
-              <a:rPr lang="en-US" sz="3370" dirty="0">
-                <a:solidFill>
-                  <a:srgbClr val="000000"/>
-                </a:solidFill>
-                <a:latin typeface="Karnchang"/>
-                <a:ea typeface="Karnchang"/>
-                <a:cs typeface="Karnchang"/>
-                <a:sym typeface="Karnchang"/>
-              </a:rPr>
-              <a:t> oleh </a:t>
-            </a:r>
-            <a:r>
-              <a:rPr lang="en-US" sz="3370" dirty="0" err="1">
-                <a:solidFill>
-                  <a:srgbClr val="000000"/>
-                </a:solidFill>
-                <a:latin typeface="Karnchang"/>
-                <a:ea typeface="Karnchang"/>
-                <a:cs typeface="Karnchang"/>
-                <a:sym typeface="Karnchang"/>
-              </a:rPr>
-              <a:t>meningkatnya</a:t>
-            </a:r>
-            <a:r>
-              <a:rPr lang="en-US" sz="3370" dirty="0">
-                <a:solidFill>
-                  <a:srgbClr val="000000"/>
-                </a:solidFill>
-                <a:latin typeface="Karnchang"/>
-                <a:ea typeface="Karnchang"/>
-                <a:cs typeface="Karnchang"/>
-                <a:sym typeface="Karnchang"/>
-              </a:rPr>
-              <a:t> </a:t>
-            </a:r>
-            <a:r>
-              <a:rPr lang="en-US" sz="3370" dirty="0" err="1">
-                <a:solidFill>
-                  <a:srgbClr val="000000"/>
-                </a:solidFill>
-                <a:latin typeface="Karnchang"/>
-                <a:ea typeface="Karnchang"/>
-                <a:cs typeface="Karnchang"/>
-                <a:sym typeface="Karnchang"/>
-              </a:rPr>
-              <a:t>permintaan</a:t>
-            </a:r>
-            <a:r>
-              <a:rPr lang="en-US" sz="3370" dirty="0">
-                <a:solidFill>
-                  <a:srgbClr val="000000"/>
-                </a:solidFill>
-                <a:latin typeface="Karnchang"/>
-                <a:ea typeface="Karnchang"/>
-                <a:cs typeface="Karnchang"/>
-                <a:sym typeface="Karnchang"/>
-              </a:rPr>
-              <a:t> </a:t>
-            </a:r>
-            <a:r>
-              <a:rPr lang="en-US" sz="3370" dirty="0" err="1">
-                <a:solidFill>
-                  <a:srgbClr val="000000"/>
-                </a:solidFill>
-                <a:latin typeface="Karnchang"/>
-                <a:ea typeface="Karnchang"/>
-                <a:cs typeface="Karnchang"/>
-                <a:sym typeface="Karnchang"/>
-              </a:rPr>
-              <a:t>kredit</a:t>
-            </a:r>
-            <a:r>
-              <a:rPr lang="en-US" sz="3370" dirty="0">
-                <a:solidFill>
-                  <a:srgbClr val="000000"/>
-                </a:solidFill>
-                <a:latin typeface="Karnchang"/>
-                <a:ea typeface="Karnchang"/>
-                <a:cs typeface="Karnchang"/>
-                <a:sym typeface="Karnchang"/>
-              </a:rPr>
-              <a:t> motor </a:t>
-            </a:r>
-            <a:r>
-              <a:rPr lang="en-US" sz="3370" dirty="0" err="1">
-                <a:solidFill>
-                  <a:srgbClr val="000000"/>
-                </a:solidFill>
-                <a:latin typeface="Karnchang"/>
-                <a:ea typeface="Karnchang"/>
-                <a:cs typeface="Karnchang"/>
-                <a:sym typeface="Karnchang"/>
-              </a:rPr>
-              <a:t>dari</a:t>
-            </a:r>
-            <a:r>
-              <a:rPr lang="en-US" sz="3370" dirty="0">
-                <a:solidFill>
-                  <a:srgbClr val="000000"/>
-                </a:solidFill>
-                <a:latin typeface="Karnchang"/>
-                <a:ea typeface="Karnchang"/>
-                <a:cs typeface="Karnchang"/>
-                <a:sym typeface="Karnchang"/>
-              </a:rPr>
-              <a:t> </a:t>
-            </a:r>
-            <a:r>
-              <a:rPr lang="en-US" sz="3370" dirty="0" err="1">
-                <a:solidFill>
-                  <a:srgbClr val="000000"/>
-                </a:solidFill>
-                <a:latin typeface="Karnchang"/>
-                <a:ea typeface="Karnchang"/>
-                <a:cs typeface="Karnchang"/>
-                <a:sym typeface="Karnchang"/>
-              </a:rPr>
-              <a:t>masyarakat</a:t>
-            </a:r>
-            <a:r>
-              <a:rPr lang="en-US" sz="3370" dirty="0">
-                <a:solidFill>
-                  <a:srgbClr val="000000"/>
-                </a:solidFill>
-                <a:latin typeface="Karnchang"/>
-                <a:ea typeface="Karnchang"/>
-                <a:cs typeface="Karnchang"/>
-                <a:sym typeface="Karnchang"/>
-              </a:rPr>
-              <a:t>, </a:t>
-            </a:r>
-            <a:r>
-              <a:rPr lang="en-US" sz="3370" dirty="0" err="1">
-                <a:solidFill>
-                  <a:srgbClr val="000000"/>
-                </a:solidFill>
-                <a:latin typeface="Karnchang"/>
-                <a:ea typeface="Karnchang"/>
-                <a:cs typeface="Karnchang"/>
-                <a:sym typeface="Karnchang"/>
-              </a:rPr>
-              <a:t>sehingga</a:t>
-            </a:r>
-            <a:r>
-              <a:rPr lang="en-US" sz="3370" dirty="0">
-                <a:solidFill>
-                  <a:srgbClr val="000000"/>
-                </a:solidFill>
-                <a:latin typeface="Karnchang"/>
-                <a:ea typeface="Karnchang"/>
-                <a:cs typeface="Karnchang"/>
-                <a:sym typeface="Karnchang"/>
-              </a:rPr>
-              <a:t> </a:t>
-            </a:r>
-            <a:r>
-              <a:rPr lang="en-US" sz="3370" dirty="0" err="1">
-                <a:solidFill>
-                  <a:srgbClr val="000000"/>
-                </a:solidFill>
-                <a:latin typeface="Karnchang"/>
-                <a:ea typeface="Karnchang"/>
-                <a:cs typeface="Karnchang"/>
-                <a:sym typeface="Karnchang"/>
-              </a:rPr>
-              <a:t>memerlukan</a:t>
-            </a:r>
-            <a:r>
-              <a:rPr lang="en-US" sz="3370" dirty="0">
-                <a:solidFill>
-                  <a:srgbClr val="000000"/>
-                </a:solidFill>
-                <a:latin typeface="Karnchang"/>
-                <a:ea typeface="Karnchang"/>
-                <a:cs typeface="Karnchang"/>
-                <a:sym typeface="Karnchang"/>
-              </a:rPr>
-              <a:t> </a:t>
-            </a:r>
-            <a:r>
-              <a:rPr lang="en-US" sz="3370" dirty="0" err="1">
-                <a:solidFill>
-                  <a:srgbClr val="000000"/>
-                </a:solidFill>
-                <a:latin typeface="Karnchang"/>
-                <a:ea typeface="Karnchang"/>
-                <a:cs typeface="Karnchang"/>
-                <a:sym typeface="Karnchang"/>
-              </a:rPr>
-              <a:t>pengelolaan</a:t>
-            </a:r>
-            <a:r>
-              <a:rPr lang="en-US" sz="3370" dirty="0">
-                <a:solidFill>
-                  <a:srgbClr val="000000"/>
-                </a:solidFill>
-                <a:latin typeface="Karnchang"/>
-                <a:ea typeface="Karnchang"/>
-                <a:cs typeface="Karnchang"/>
-                <a:sym typeface="Karnchang"/>
-              </a:rPr>
-              <a:t> data yang </a:t>
-            </a:r>
-            <a:r>
-              <a:rPr lang="en-US" sz="3370" dirty="0" err="1">
-                <a:solidFill>
-                  <a:srgbClr val="000000"/>
-                </a:solidFill>
-                <a:latin typeface="Karnchang"/>
-                <a:ea typeface="Karnchang"/>
-                <a:cs typeface="Karnchang"/>
-                <a:sym typeface="Karnchang"/>
-              </a:rPr>
-              <a:t>akurat</a:t>
-            </a:r>
-            <a:r>
-              <a:rPr lang="en-US" sz="3370" dirty="0">
-                <a:solidFill>
-                  <a:srgbClr val="000000"/>
-                </a:solidFill>
-                <a:latin typeface="Karnchang"/>
-                <a:ea typeface="Karnchang"/>
-                <a:cs typeface="Karnchang"/>
-                <a:sym typeface="Karnchang"/>
-              </a:rPr>
-              <a:t> dan </a:t>
-            </a:r>
-            <a:r>
-              <a:rPr lang="en-US" sz="3370" dirty="0" err="1">
-                <a:solidFill>
-                  <a:srgbClr val="000000"/>
-                </a:solidFill>
-                <a:latin typeface="Karnchang"/>
-                <a:ea typeface="Karnchang"/>
-                <a:cs typeface="Karnchang"/>
-                <a:sym typeface="Karnchang"/>
-              </a:rPr>
-              <a:t>cepat</a:t>
-            </a:r>
-            <a:r>
-              <a:rPr lang="en-US" sz="3370" dirty="0">
+              <a:rPr lang="en-US" sz="2800" dirty="0">
                 <a:solidFill>
                   <a:srgbClr val="000000"/>
                 </a:solidFill>
@@ -7091,8 +7607,8 @@
         </p:nvSpPr>
         <p:spPr>
           <a:xfrm>
-            <a:off x="8626585" y="3000008"/>
-            <a:ext cx="9155161" cy="6600205"/>
+            <a:off x="8549977" y="2214840"/>
+            <a:ext cx="8768876" cy="5977149"/>
           </a:xfrm>
           <a:prstGeom prst="rect">
             <a:avLst/>
@@ -7110,7 +7626,7 @@
               </a:lnSpc>
             </a:pPr>
             <a:r>
-              <a:rPr lang="en-US" sz="3366" dirty="0" err="1">
+              <a:rPr lang="en-US" sz="2800" b="1" dirty="0" err="1">
                 <a:solidFill>
                   <a:srgbClr val="000000"/>
                 </a:solidFill>
@@ -7122,7 +7638,7 @@
               <a:t>Permasalahan</a:t>
             </a:r>
             <a:r>
-              <a:rPr lang="en-US" sz="3366" dirty="0">
+              <a:rPr lang="en-US" sz="2800" b="1" dirty="0">
                 <a:solidFill>
                   <a:srgbClr val="000000"/>
                 </a:solidFill>
@@ -7141,7 +7657,7 @@
               </a:lnSpc>
             </a:pPr>
             <a:r>
-              <a:rPr lang="en-US" sz="3366" dirty="0" err="1">
+              <a:rPr lang="en-US" sz="2800" dirty="0" err="1">
                 <a:solidFill>
                   <a:srgbClr val="000000"/>
                 </a:solidFill>
@@ -7153,7 +7669,7 @@
               <a:t>Penggunaan</a:t>
             </a:r>
             <a:r>
-              <a:rPr lang="en-US" sz="3366" dirty="0">
+              <a:rPr lang="en-US" sz="2800" dirty="0">
                 <a:solidFill>
                   <a:srgbClr val="000000"/>
                 </a:solidFill>
@@ -7165,7 +7681,7 @@
               <a:t> </a:t>
             </a:r>
             <a:r>
-              <a:rPr lang="en-US" sz="3366" dirty="0" err="1">
+              <a:rPr lang="en-US" sz="2800" dirty="0" err="1">
                 <a:solidFill>
                   <a:srgbClr val="000000"/>
                 </a:solidFill>
@@ -7177,7 +7693,7 @@
               <a:t>sistem</a:t>
             </a:r>
             <a:r>
-              <a:rPr lang="en-US" sz="3366" dirty="0">
+              <a:rPr lang="en-US" sz="2800" dirty="0">
                 <a:solidFill>
                   <a:srgbClr val="000000"/>
                 </a:solidFill>
@@ -7189,7 +7705,7 @@
               <a:t> manual </a:t>
             </a:r>
             <a:r>
-              <a:rPr lang="en-US" sz="3366" dirty="0" err="1">
+              <a:rPr lang="en-US" sz="2800" dirty="0" err="1">
                 <a:solidFill>
                   <a:srgbClr val="000000"/>
                 </a:solidFill>
@@ -7201,7 +7717,7 @@
               <a:t>dalam</a:t>
             </a:r>
             <a:r>
-              <a:rPr lang="en-US" sz="3366" dirty="0">
+              <a:rPr lang="en-US" sz="2800" dirty="0">
                 <a:solidFill>
                   <a:srgbClr val="000000"/>
                 </a:solidFill>
@@ -7213,7 +7729,7 @@
               <a:t> </a:t>
             </a:r>
             <a:r>
-              <a:rPr lang="en-US" sz="3366" dirty="0" err="1">
+              <a:rPr lang="en-US" sz="2800" dirty="0" err="1">
                 <a:solidFill>
                   <a:srgbClr val="000000"/>
                 </a:solidFill>
@@ -7225,7 +7741,7 @@
               <a:t>pengelolaan</a:t>
             </a:r>
             <a:r>
-              <a:rPr lang="en-US" sz="3366" dirty="0">
+              <a:rPr lang="en-US" sz="2800" dirty="0">
                 <a:solidFill>
                   <a:srgbClr val="000000"/>
                 </a:solidFill>
@@ -7237,7 +7753,7 @@
               <a:t> </a:t>
             </a:r>
             <a:r>
-              <a:rPr lang="en-US" sz="3366" dirty="0" err="1">
+              <a:rPr lang="en-US" sz="2800" dirty="0" err="1">
                 <a:solidFill>
                   <a:srgbClr val="000000"/>
                 </a:solidFill>
@@ -7249,7 +7765,7 @@
               <a:t>kredit</a:t>
             </a:r>
             <a:r>
-              <a:rPr lang="en-US" sz="3366" dirty="0">
+              <a:rPr lang="en-US" sz="2800" dirty="0">
                 <a:solidFill>
                   <a:srgbClr val="000000"/>
                 </a:solidFill>
@@ -7261,7 +7777,7 @@
               <a:t> motor </a:t>
             </a:r>
             <a:r>
-              <a:rPr lang="en-US" sz="3366" dirty="0" err="1">
+              <a:rPr lang="en-US" sz="2800" dirty="0" err="1">
                 <a:solidFill>
                   <a:srgbClr val="000000"/>
                 </a:solidFill>
@@ -7273,7 +7789,7 @@
               <a:t>masih</a:t>
             </a:r>
             <a:r>
-              <a:rPr lang="en-US" sz="3366" dirty="0">
+              <a:rPr lang="en-US" sz="2800" dirty="0">
                 <a:solidFill>
                   <a:srgbClr val="000000"/>
                 </a:solidFill>
@@ -7285,7 +7801,7 @@
               <a:t> </a:t>
             </a:r>
             <a:r>
-              <a:rPr lang="en-US" sz="3366" dirty="0" err="1">
+              <a:rPr lang="en-US" sz="2800" dirty="0" err="1">
                 <a:solidFill>
                   <a:srgbClr val="000000"/>
                 </a:solidFill>
@@ -7297,7 +7813,7 @@
               <a:t>banyak</a:t>
             </a:r>
             <a:r>
-              <a:rPr lang="en-US" sz="3366" dirty="0">
+              <a:rPr lang="en-US" sz="2800" dirty="0">
                 <a:solidFill>
                   <a:srgbClr val="000000"/>
                 </a:solidFill>
@@ -7309,7 +7825,7 @@
               <a:t> </a:t>
             </a:r>
             <a:r>
-              <a:rPr lang="en-US" sz="3366" dirty="0" err="1">
+              <a:rPr lang="en-US" sz="2800" dirty="0" err="1">
                 <a:solidFill>
                   <a:srgbClr val="000000"/>
                 </a:solidFill>
@@ -7321,7 +7837,79 @@
               <a:t>digunakan</a:t>
             </a:r>
             <a:r>
-              <a:rPr lang="en-US" sz="3366" dirty="0">
+              <a:rPr lang="en-US" sz="2800" dirty="0">
+                <a:solidFill>
+                  <a:srgbClr val="000000"/>
+                </a:solidFill>
+                <a:latin typeface="Karnchang"/>
+                <a:ea typeface="Karnchang"/>
+                <a:cs typeface="Karnchang"/>
+                <a:sym typeface="Karnchang"/>
+              </a:rPr>
+              <a:t>, dan </a:t>
+            </a:r>
+            <a:r>
+              <a:rPr lang="en-US" sz="2800" dirty="0" err="1">
+                <a:solidFill>
+                  <a:srgbClr val="000000"/>
+                </a:solidFill>
+                <a:latin typeface="Karnchang"/>
+                <a:ea typeface="Karnchang"/>
+                <a:cs typeface="Karnchang"/>
+                <a:sym typeface="Karnchang"/>
+              </a:rPr>
+              <a:t>menyebabkan</a:t>
+            </a:r>
+            <a:r>
+              <a:rPr lang="en-US" sz="2800" dirty="0">
+                <a:solidFill>
+                  <a:srgbClr val="000000"/>
+                </a:solidFill>
+                <a:latin typeface="Karnchang"/>
+                <a:ea typeface="Karnchang"/>
+                <a:cs typeface="Karnchang"/>
+                <a:sym typeface="Karnchang"/>
+              </a:rPr>
+              <a:t> </a:t>
+            </a:r>
+            <a:r>
+              <a:rPr lang="en-US" sz="2800" dirty="0" err="1">
+                <a:solidFill>
+                  <a:srgbClr val="000000"/>
+                </a:solidFill>
+                <a:latin typeface="Karnchang"/>
+                <a:ea typeface="Karnchang"/>
+                <a:cs typeface="Karnchang"/>
+                <a:sym typeface="Karnchang"/>
+              </a:rPr>
+              <a:t>beberapa</a:t>
+            </a:r>
+            <a:r>
+              <a:rPr lang="en-US" sz="2800" dirty="0">
+                <a:solidFill>
+                  <a:srgbClr val="000000"/>
+                </a:solidFill>
+                <a:latin typeface="Karnchang"/>
+                <a:ea typeface="Karnchang"/>
+                <a:cs typeface="Karnchang"/>
+                <a:sym typeface="Karnchang"/>
+              </a:rPr>
+              <a:t> </a:t>
+            </a:r>
+            <a:r>
+              <a:rPr lang="en-US" sz="2800" dirty="0" err="1">
+                <a:solidFill>
+                  <a:srgbClr val="000000"/>
+                </a:solidFill>
+                <a:latin typeface="Karnchang"/>
+                <a:ea typeface="Karnchang"/>
+                <a:cs typeface="Karnchang"/>
+                <a:sym typeface="Karnchang"/>
+              </a:rPr>
+              <a:t>permasalahan</a:t>
+            </a:r>
+            <a:r>
+              <a:rPr lang="en-US" sz="2800" dirty="0">
                 <a:solidFill>
                   <a:srgbClr val="000000"/>
                 </a:solidFill>
@@ -7333,79 +7921,7 @@
               <a:t>, </a:t>
             </a:r>
             <a:r>
-              <a:rPr lang="en-US" sz="3366" dirty="0" err="1">
-                <a:solidFill>
-                  <a:srgbClr val="000000"/>
-                </a:solidFill>
-                <a:latin typeface="Karnchang"/>
-                <a:ea typeface="Karnchang"/>
-                <a:cs typeface="Karnchang"/>
-                <a:sym typeface="Karnchang"/>
-              </a:rPr>
-              <a:t>menyebabkan</a:t>
-            </a:r>
-            <a:r>
-              <a:rPr lang="en-US" sz="3366" dirty="0">
-                <a:solidFill>
-                  <a:srgbClr val="000000"/>
-                </a:solidFill>
-                <a:latin typeface="Karnchang"/>
-                <a:ea typeface="Karnchang"/>
-                <a:cs typeface="Karnchang"/>
-                <a:sym typeface="Karnchang"/>
-              </a:rPr>
-              <a:t> </a:t>
-            </a:r>
-            <a:r>
-              <a:rPr lang="en-US" sz="3366" dirty="0" err="1">
-                <a:solidFill>
-                  <a:srgbClr val="000000"/>
-                </a:solidFill>
-                <a:latin typeface="Karnchang"/>
-                <a:ea typeface="Karnchang"/>
-                <a:cs typeface="Karnchang"/>
-                <a:sym typeface="Karnchang"/>
-              </a:rPr>
-              <a:t>beberapa</a:t>
-            </a:r>
-            <a:r>
-              <a:rPr lang="en-US" sz="3366" dirty="0">
-                <a:solidFill>
-                  <a:srgbClr val="000000"/>
-                </a:solidFill>
-                <a:latin typeface="Karnchang"/>
-                <a:ea typeface="Karnchang"/>
-                <a:cs typeface="Karnchang"/>
-                <a:sym typeface="Karnchang"/>
-              </a:rPr>
-              <a:t> </a:t>
-            </a:r>
-            <a:r>
-              <a:rPr lang="en-US" sz="3366" dirty="0" err="1">
-                <a:solidFill>
-                  <a:srgbClr val="000000"/>
-                </a:solidFill>
-                <a:latin typeface="Karnchang"/>
-                <a:ea typeface="Karnchang"/>
-                <a:cs typeface="Karnchang"/>
-                <a:sym typeface="Karnchang"/>
-              </a:rPr>
-              <a:t>permasalahan</a:t>
-            </a:r>
-            <a:r>
-              <a:rPr lang="en-US" sz="3366" dirty="0">
-                <a:solidFill>
-                  <a:srgbClr val="000000"/>
-                </a:solidFill>
-                <a:latin typeface="Karnchang"/>
-                <a:ea typeface="Karnchang"/>
-                <a:cs typeface="Karnchang"/>
-                <a:sym typeface="Karnchang"/>
-              </a:rPr>
-              <a:t>, </a:t>
-            </a:r>
-            <a:r>
-              <a:rPr lang="en-US" sz="3366" dirty="0" err="1">
+              <a:rPr lang="en-US" sz="2800" dirty="0" err="1">
                 <a:solidFill>
                   <a:srgbClr val="000000"/>
                 </a:solidFill>
@@ -7417,7 +7933,7 @@
               <a:t>seperti</a:t>
             </a:r>
             <a:r>
-              <a:rPr lang="en-US" sz="3366" dirty="0">
+              <a:rPr lang="en-US" sz="2800" dirty="0">
                 <a:solidFill>
                   <a:srgbClr val="000000"/>
                 </a:solidFill>
@@ -7436,7 +7952,7 @@
               </a:lnSpc>
             </a:pPr>
             <a:r>
-              <a:rPr lang="en-US" sz="3366" dirty="0" err="1">
+              <a:rPr lang="en-US" sz="2800" dirty="0" err="1">
                 <a:solidFill>
                   <a:srgbClr val="000000"/>
                 </a:solidFill>
@@ -7448,7 +7964,7 @@
               <a:t>Kesalahan</a:t>
             </a:r>
             <a:r>
-              <a:rPr lang="en-US" sz="3366" dirty="0">
+              <a:rPr lang="en-US" sz="2800" dirty="0">
                 <a:solidFill>
                   <a:srgbClr val="000000"/>
                 </a:solidFill>
@@ -7460,7 +7976,7 @@
               <a:t> </a:t>
             </a:r>
             <a:r>
-              <a:rPr lang="en-US" sz="3366" dirty="0" err="1">
+              <a:rPr lang="en-US" sz="2800" dirty="0" err="1">
                 <a:solidFill>
                   <a:srgbClr val="000000"/>
                 </a:solidFill>
@@ -7472,7 +7988,7 @@
               <a:t>pengolahan</a:t>
             </a:r>
             <a:r>
-              <a:rPr lang="en-US" sz="3366" dirty="0">
+              <a:rPr lang="en-US" sz="2800" dirty="0">
                 <a:solidFill>
                   <a:srgbClr val="000000"/>
                 </a:solidFill>
@@ -7484,7 +8000,7 @@
               <a:t> data, </a:t>
             </a:r>
             <a:r>
-              <a:rPr lang="en-US" sz="3366" dirty="0" err="1">
+              <a:rPr lang="en-US" sz="2800" dirty="0" err="1">
                 <a:solidFill>
                   <a:srgbClr val="000000"/>
                 </a:solidFill>
@@ -7496,7 +8012,7 @@
               <a:t>Inefisiensi</a:t>
             </a:r>
             <a:r>
-              <a:rPr lang="en-US" sz="3366" dirty="0">
+              <a:rPr lang="en-US" sz="2800" dirty="0">
                 <a:solidFill>
                   <a:srgbClr val="000000"/>
                 </a:solidFill>
@@ -7508,7 +8024,7 @@
               <a:t> </a:t>
             </a:r>
             <a:r>
-              <a:rPr lang="en-US" sz="3366" dirty="0" err="1">
+              <a:rPr lang="en-US" sz="2800" dirty="0" err="1">
                 <a:solidFill>
                   <a:srgbClr val="000000"/>
                 </a:solidFill>
@@ -7520,7 +8036,7 @@
               <a:t>waktu</a:t>
             </a:r>
             <a:r>
-              <a:rPr lang="en-US" sz="3366" dirty="0">
+              <a:rPr lang="en-US" sz="2800" dirty="0">
                 <a:solidFill>
                   <a:srgbClr val="000000"/>
                 </a:solidFill>
@@ -7532,7 +8048,7 @@
               <a:t> dan </a:t>
             </a:r>
             <a:r>
-              <a:rPr lang="en-US" sz="3366" dirty="0" err="1">
+              <a:rPr lang="en-US" sz="2800" dirty="0" err="1">
                 <a:solidFill>
                   <a:srgbClr val="000000"/>
                 </a:solidFill>
@@ -7544,7 +8060,7 @@
               <a:t>biaya</a:t>
             </a:r>
             <a:r>
-              <a:rPr lang="en-US" sz="3366" dirty="0">
+              <a:rPr lang="en-US" sz="2800" dirty="0">
                 <a:solidFill>
                   <a:srgbClr val="000000"/>
                 </a:solidFill>
@@ -7556,7 +8072,7 @@
               <a:t>, </a:t>
             </a:r>
             <a:r>
-              <a:rPr lang="en-US" sz="3366" dirty="0" err="1">
+              <a:rPr lang="en-US" sz="2800" dirty="0" err="1">
                 <a:solidFill>
                   <a:srgbClr val="000000"/>
                 </a:solidFill>
@@ -7568,7 +8084,7 @@
               <a:t>Risiko</a:t>
             </a:r>
             <a:r>
-              <a:rPr lang="en-US" sz="3366" dirty="0">
+              <a:rPr lang="en-US" sz="2800" dirty="0">
                 <a:solidFill>
                   <a:srgbClr val="000000"/>
                 </a:solidFill>
@@ -7580,7 +8096,7 @@
               <a:t> </a:t>
             </a:r>
             <a:r>
-              <a:rPr lang="en-US" sz="3366" dirty="0" err="1">
+              <a:rPr lang="en-US" sz="2800" dirty="0" err="1">
                 <a:solidFill>
                   <a:srgbClr val="000000"/>
                 </a:solidFill>
@@ -7592,7 +8108,7 @@
               <a:t>kehilangan</a:t>
             </a:r>
             <a:r>
-              <a:rPr lang="en-US" sz="3366" dirty="0">
+              <a:rPr lang="en-US" sz="2800" dirty="0">
                 <a:solidFill>
                   <a:srgbClr val="000000"/>
                 </a:solidFill>
@@ -7604,7 +8120,7 @@
               <a:t> data, </a:t>
             </a:r>
             <a:r>
-              <a:rPr lang="en-US" sz="3366" dirty="0" err="1">
+              <a:rPr lang="en-US" sz="2800" dirty="0" err="1">
                 <a:solidFill>
                   <a:srgbClr val="000000"/>
                 </a:solidFill>
@@ -7616,7 +8132,7 @@
               <a:t>Kurangnya</a:t>
             </a:r>
             <a:r>
-              <a:rPr lang="en-US" sz="3366" dirty="0">
+              <a:rPr lang="en-US" sz="2800" dirty="0">
                 <a:solidFill>
                   <a:srgbClr val="000000"/>
                 </a:solidFill>
@@ -7628,7 +8144,7 @@
               <a:t> </a:t>
             </a:r>
             <a:r>
-              <a:rPr lang="en-US" sz="3366" dirty="0" err="1">
+              <a:rPr lang="en-US" sz="2800" dirty="0" err="1">
                 <a:solidFill>
                   <a:srgbClr val="000000"/>
                 </a:solidFill>
@@ -7640,7 +8156,7 @@
               <a:t>transparansi</a:t>
             </a:r>
             <a:r>
-              <a:rPr lang="en-US" sz="3366" dirty="0">
+              <a:rPr lang="en-US" sz="2800" dirty="0">
                 <a:solidFill>
                   <a:srgbClr val="000000"/>
                 </a:solidFill>
@@ -7652,7 +8168,7 @@
               <a:t> proses </a:t>
             </a:r>
             <a:r>
-              <a:rPr lang="en-US" sz="3366" dirty="0" err="1">
+              <a:rPr lang="en-US" sz="2800" dirty="0" err="1">
                 <a:solidFill>
                   <a:srgbClr val="000000"/>
                 </a:solidFill>
@@ -7664,7 +8180,7 @@
               <a:t>pengajuan</a:t>
             </a:r>
             <a:r>
-              <a:rPr lang="en-US" sz="3366" dirty="0">
+              <a:rPr lang="en-US" sz="2800" dirty="0">
                 <a:solidFill>
                   <a:srgbClr val="000000"/>
                 </a:solidFill>
@@ -7676,7 +8192,7 @@
               <a:t> </a:t>
             </a:r>
             <a:r>
-              <a:rPr lang="en-US" sz="3366" dirty="0" err="1">
+              <a:rPr lang="en-US" sz="2800" dirty="0" err="1">
                 <a:solidFill>
                   <a:srgbClr val="000000"/>
                 </a:solidFill>
@@ -7688,7 +8204,7 @@
               <a:t>kredit</a:t>
             </a:r>
             <a:r>
-              <a:rPr lang="en-US" sz="3366" dirty="0">
+              <a:rPr lang="en-US" sz="2800" dirty="0">
                 <a:solidFill>
                   <a:srgbClr val="000000"/>
                 </a:solidFill>
@@ -7700,7 +8216,7 @@
               <a:t>, </a:t>
             </a:r>
             <a:r>
-              <a:rPr lang="en-US" sz="3366" dirty="0" err="1">
+              <a:rPr lang="en-US" sz="2800" dirty="0" err="1">
                 <a:solidFill>
                   <a:srgbClr val="000000"/>
                 </a:solidFill>
@@ -7712,7 +8228,7 @@
               <a:t>Keterlambatan</a:t>
             </a:r>
             <a:r>
-              <a:rPr lang="en-US" sz="3366" dirty="0">
+              <a:rPr lang="en-US" sz="2800" dirty="0">
                 <a:solidFill>
                   <a:srgbClr val="000000"/>
                 </a:solidFill>
@@ -7724,7 +8240,7 @@
               <a:t> </a:t>
             </a:r>
             <a:r>
-              <a:rPr lang="en-US" sz="3366" dirty="0" err="1">
+              <a:rPr lang="en-US" sz="2800" dirty="0" err="1">
                 <a:solidFill>
                   <a:srgbClr val="000000"/>
                 </a:solidFill>
@@ -7736,7 +8252,7 @@
               <a:t>dalam</a:t>
             </a:r>
             <a:r>
-              <a:rPr lang="en-US" sz="3366" dirty="0">
+              <a:rPr lang="en-US" sz="2800" dirty="0">
                 <a:solidFill>
                   <a:srgbClr val="000000"/>
                 </a:solidFill>
@@ -7748,7 +8264,7 @@
               <a:t> </a:t>
             </a:r>
             <a:r>
-              <a:rPr lang="en-US" sz="3366" dirty="0" err="1">
+              <a:rPr lang="en-US" sz="2800" dirty="0" err="1">
                 <a:solidFill>
                   <a:srgbClr val="000000"/>
                 </a:solidFill>
@@ -7760,7 +8276,7 @@
               <a:t>pengambilan</a:t>
             </a:r>
             <a:r>
-              <a:rPr lang="en-US" sz="3366" dirty="0">
+              <a:rPr lang="en-US" sz="2800" dirty="0">
                 <a:solidFill>
                   <a:srgbClr val="000000"/>
                 </a:solidFill>
@@ -7772,7 +8288,7 @@
               <a:t> </a:t>
             </a:r>
             <a:r>
-              <a:rPr lang="en-US" sz="3366" dirty="0" err="1">
+              <a:rPr lang="en-US" sz="2800" dirty="0" err="1">
                 <a:solidFill>
                   <a:srgbClr val="000000"/>
                 </a:solidFill>
@@ -7784,7 +8300,7 @@
               <a:t>keputusan</a:t>
             </a:r>
             <a:r>
-              <a:rPr lang="en-US" sz="3366" dirty="0">
+              <a:rPr lang="en-US" sz="2800" dirty="0">
                 <a:solidFill>
                   <a:srgbClr val="000000"/>
                 </a:solidFill>
@@ -7803,7 +8319,7 @@
               </a:lnSpc>
             </a:pPr>
             <a:r>
-              <a:rPr lang="en-US" sz="3366" dirty="0" err="1">
+              <a:rPr lang="en-US" sz="2800" dirty="0" err="1">
                 <a:solidFill>
                   <a:srgbClr val="000000"/>
                 </a:solidFill>
@@ -7815,7 +8331,7 @@
               <a:t>Permasalahan</a:t>
             </a:r>
             <a:r>
-              <a:rPr lang="en-US" sz="3366" dirty="0">
+              <a:rPr lang="en-US" sz="2800" dirty="0">
                 <a:solidFill>
                   <a:srgbClr val="000000"/>
                 </a:solidFill>
@@ -7827,7 +8343,7 @@
               <a:t> </a:t>
             </a:r>
             <a:r>
-              <a:rPr lang="en-US" sz="3366" dirty="0" err="1">
+              <a:rPr lang="en-US" sz="2800" dirty="0" err="1">
                 <a:solidFill>
                   <a:srgbClr val="000000"/>
                 </a:solidFill>
@@ -7839,7 +8355,7 @@
               <a:t>ini</a:t>
             </a:r>
             <a:r>
-              <a:rPr lang="en-US" sz="3366" dirty="0">
+              <a:rPr lang="en-US" sz="2800" dirty="0">
                 <a:solidFill>
                   <a:srgbClr val="000000"/>
                 </a:solidFill>
@@ -7851,7 +8367,7 @@
               <a:t> </a:t>
             </a:r>
             <a:r>
-              <a:rPr lang="en-US" sz="3366" dirty="0" err="1">
+              <a:rPr lang="en-US" sz="2800" dirty="0" err="1">
                 <a:solidFill>
                   <a:srgbClr val="000000"/>
                 </a:solidFill>
@@ -7863,7 +8379,7 @@
               <a:t>berdampak</a:t>
             </a:r>
             <a:r>
-              <a:rPr lang="en-US" sz="3366" dirty="0">
+              <a:rPr lang="en-US" sz="2800" dirty="0">
                 <a:solidFill>
                   <a:srgbClr val="000000"/>
                 </a:solidFill>
@@ -7875,7 +8391,7 @@
               <a:t> pada </a:t>
             </a:r>
             <a:r>
-              <a:rPr lang="en-US" sz="3366" dirty="0" err="1">
+              <a:rPr lang="en-US" sz="2800" dirty="0" err="1">
                 <a:solidFill>
                   <a:srgbClr val="000000"/>
                 </a:solidFill>
@@ -7887,7 +8403,7 @@
               <a:t>kepuasan</a:t>
             </a:r>
             <a:r>
-              <a:rPr lang="en-US" sz="3366" dirty="0">
+              <a:rPr lang="en-US" sz="2800" dirty="0">
                 <a:solidFill>
                   <a:srgbClr val="000000"/>
                 </a:solidFill>
@@ -7899,7 +8415,7 @@
               <a:t> </a:t>
             </a:r>
             <a:r>
-              <a:rPr lang="en-US" sz="3366" dirty="0" err="1">
+              <a:rPr lang="en-US" sz="2800" dirty="0" err="1">
                 <a:solidFill>
                   <a:srgbClr val="000000"/>
                 </a:solidFill>
@@ -7911,7 +8427,7 @@
               <a:t>nasabah</a:t>
             </a:r>
             <a:r>
-              <a:rPr lang="en-US" sz="3366" dirty="0">
+              <a:rPr lang="en-US" sz="2800" dirty="0">
                 <a:solidFill>
                   <a:srgbClr val="000000"/>
                 </a:solidFill>
@@ -7923,7 +8439,7 @@
               <a:t> dan </a:t>
             </a:r>
             <a:r>
-              <a:rPr lang="en-US" sz="3366" dirty="0" err="1">
+              <a:rPr lang="en-US" sz="2800" dirty="0" err="1">
                 <a:solidFill>
                   <a:srgbClr val="000000"/>
                 </a:solidFill>
@@ -7935,7 +8451,7 @@
               <a:t>efisiensi</a:t>
             </a:r>
             <a:r>
-              <a:rPr lang="en-US" sz="3366" dirty="0">
+              <a:rPr lang="en-US" sz="2800" dirty="0">
                 <a:solidFill>
                   <a:srgbClr val="000000"/>
                 </a:solidFill>
@@ -7947,7 +8463,7 @@
               <a:t> </a:t>
             </a:r>
             <a:r>
-              <a:rPr lang="en-US" sz="3366" dirty="0" err="1">
+              <a:rPr lang="en-US" sz="2800" dirty="0" err="1">
                 <a:solidFill>
                   <a:srgbClr val="000000"/>
                 </a:solidFill>
@@ -7959,7 +8475,7 @@
               <a:t>operasional</a:t>
             </a:r>
             <a:r>
-              <a:rPr lang="en-US" sz="3366" dirty="0">
+              <a:rPr lang="en-US" sz="2800" dirty="0">
                 <a:solidFill>
                   <a:srgbClr val="000000"/>
                 </a:solidFill>
@@ -7971,7 +8487,7 @@
               <a:t> </a:t>
             </a:r>
             <a:r>
-              <a:rPr lang="en-US" sz="3366" dirty="0" err="1">
+              <a:rPr lang="en-US" sz="2800" dirty="0" err="1">
                 <a:solidFill>
                   <a:srgbClr val="000000"/>
                 </a:solidFill>
@@ -7983,7 +8499,7 @@
               <a:t>lembaga</a:t>
             </a:r>
             <a:r>
-              <a:rPr lang="en-US" sz="3366" dirty="0">
+              <a:rPr lang="en-US" sz="2800" dirty="0">
                 <a:solidFill>
                   <a:srgbClr val="000000"/>
                 </a:solidFill>
@@ -7995,7 +8511,7 @@
               <a:t> </a:t>
             </a:r>
             <a:r>
-              <a:rPr lang="en-US" sz="3366" dirty="0" err="1">
+              <a:rPr lang="en-US" sz="2800" dirty="0" err="1">
                 <a:solidFill>
                   <a:srgbClr val="000000"/>
                 </a:solidFill>
@@ -8007,7 +8523,7 @@
               <a:t>keuangan</a:t>
             </a:r>
             <a:r>
-              <a:rPr lang="en-US" sz="3366" dirty="0">
+              <a:rPr lang="en-US" sz="2800" dirty="0">
                 <a:solidFill>
                   <a:srgbClr val="000000"/>
                 </a:solidFill>
@@ -8021,6 +8537,42 @@
           </a:p>
         </p:txBody>
       </p:sp>
+      <p:cxnSp>
+        <p:nvCxnSpPr>
+          <p:cNvPr id="9" name="Straight Connector 8">
+            <a:extLst>
+              <a:ext uri="{FF2B5EF4-FFF2-40B4-BE49-F238E27FC236}">
+                <a16:creationId xmlns:a16="http://schemas.microsoft.com/office/drawing/2014/main" id="{FEBE083A-DAE0-5709-0A28-F7682DF27084}"/>
+              </a:ext>
+            </a:extLst>
+          </p:cNvPr>
+          <p:cNvCxnSpPr/>
+          <p:nvPr/>
+        </p:nvCxnSpPr>
+        <p:spPr>
+          <a:xfrm>
+            <a:off x="8367897" y="1562100"/>
+            <a:ext cx="0" cy="8131958"/>
+          </a:xfrm>
+          <a:prstGeom prst="line">
+            <a:avLst/>
+          </a:prstGeom>
+        </p:spPr>
+        <p:style>
+          <a:lnRef idx="1">
+            <a:schemeClr val="dk1"/>
+          </a:lnRef>
+          <a:fillRef idx="0">
+            <a:schemeClr val="dk1"/>
+          </a:fillRef>
+          <a:effectRef idx="0">
+            <a:schemeClr val="dk1"/>
+          </a:effectRef>
+          <a:fontRef idx="minor">
+            <a:schemeClr val="tx1"/>
+          </a:fontRef>
+        </p:style>
+      </p:cxnSp>
     </p:spTree>
   </p:cSld>
   <p:clrMapOvr>
@@ -9586,7 +10138,7 @@
                 <a:cs typeface="Karnchang"/>
                 <a:sym typeface="Karnchang"/>
               </a:rPr>
-              <a:t>sistem</a:t>
+              <a:t>aplikasi</a:t>
             </a:r>
             <a:r>
               <a:rPr lang="en-US" sz="2700" dirty="0">
@@ -9610,7 +10162,7 @@
                 <a:cs typeface="Karnchang"/>
                 <a:sym typeface="Karnchang"/>
               </a:rPr>
-              <a:t>pengelolaan</a:t>
+              <a:t>sederhana</a:t>
             </a:r>
             <a:r>
               <a:rPr lang="en-US" sz="2700" dirty="0">
@@ -9646,7 +10198,7 @@
                 <a:cs typeface="Karnchang"/>
                 <a:sym typeface="Karnchang"/>
               </a:rPr>
-              <a:t> motor yang </a:t>
+              <a:t> motor agar </a:t>
             </a:r>
             <a:r>
               <a:rPr lang="en-US" sz="2700" dirty="0" err="1">
@@ -9737,7 +10289,55 @@
                 <a:cs typeface="Karnchang"/>
                 <a:sym typeface="Karnchang"/>
               </a:rPr>
-              <a:t> program yang </a:t>
+              <a:t> </a:t>
+            </a:r>
+            <a:r>
+              <a:rPr lang="en-US" sz="2700" dirty="0" err="1">
+                <a:solidFill>
+                  <a:srgbClr val="000000"/>
+                </a:solidFill>
+                <a:latin typeface="Karnchang"/>
+                <a:ea typeface="Karnchang"/>
+                <a:cs typeface="Karnchang"/>
+                <a:sym typeface="Karnchang"/>
+              </a:rPr>
+              <a:t>aplikasi</a:t>
+            </a:r>
+            <a:r>
+              <a:rPr lang="en-US" sz="2700" dirty="0">
+                <a:solidFill>
+                  <a:srgbClr val="000000"/>
+                </a:solidFill>
+                <a:latin typeface="Karnchang"/>
+                <a:ea typeface="Karnchang"/>
+                <a:cs typeface="Karnchang"/>
+                <a:sym typeface="Karnchang"/>
+              </a:rPr>
+              <a:t> </a:t>
+            </a:r>
+            <a:r>
+              <a:rPr lang="en-US" sz="2700" dirty="0" err="1">
+                <a:solidFill>
+                  <a:srgbClr val="000000"/>
+                </a:solidFill>
+                <a:latin typeface="Karnchang"/>
+                <a:ea typeface="Karnchang"/>
+                <a:cs typeface="Karnchang"/>
+                <a:sym typeface="Karnchang"/>
+              </a:rPr>
+              <a:t>sederhana</a:t>
+            </a:r>
+            <a:r>
+              <a:rPr lang="en-US" sz="2700" dirty="0">
+                <a:solidFill>
+                  <a:srgbClr val="000000"/>
+                </a:solidFill>
+                <a:latin typeface="Karnchang"/>
+                <a:ea typeface="Karnchang"/>
+                <a:cs typeface="Karnchang"/>
+                <a:sym typeface="Karnchang"/>
+              </a:rPr>
+              <a:t> agar </a:t>
             </a:r>
             <a:r>
               <a:rPr lang="en-US" sz="2700" dirty="0" err="1">
@@ -10318,10 +10918,10 @@
       </p:sp>
       <p:pic>
         <p:nvPicPr>
-          <p:cNvPr id="7" name="Picture 6">
+          <p:cNvPr id="6" name="Picture 5">
             <a:extLst>
               <a:ext uri="{FF2B5EF4-FFF2-40B4-BE49-F238E27FC236}">
-                <a16:creationId xmlns:a16="http://schemas.microsoft.com/office/drawing/2014/main" id="{D07F9D3B-DF20-E00E-A94E-13940E3CF963}"/>
+                <a16:creationId xmlns:a16="http://schemas.microsoft.com/office/drawing/2014/main" id="{A0062CB2-276F-2C86-8665-3DF856D30AA0}"/>
               </a:ext>
             </a:extLst>
           </p:cNvPr>
@@ -10344,8 +10944,8 @@
         </p:blipFill>
         <p:spPr>
           <a:xfrm>
-            <a:off x="1428674" y="2328120"/>
-            <a:ext cx="6405126" cy="7124700"/>
+            <a:off x="1066800" y="2449212"/>
+            <a:ext cx="6677689" cy="7244846"/>
           </a:xfrm>
           <a:prstGeom prst="rect">
             <a:avLst/>
@@ -10354,10 +10954,10 @@
       </p:pic>
       <p:pic>
         <p:nvPicPr>
-          <p:cNvPr id="9" name="Picture 8">
+          <p:cNvPr id="11" name="Picture 10">
             <a:extLst>
               <a:ext uri="{FF2B5EF4-FFF2-40B4-BE49-F238E27FC236}">
-                <a16:creationId xmlns:a16="http://schemas.microsoft.com/office/drawing/2014/main" id="{C2BD36A0-3BFB-A8EE-314C-C2727B45A234}"/>
+                <a16:creationId xmlns:a16="http://schemas.microsoft.com/office/drawing/2014/main" id="{EFB706B0-CF4B-398E-2E0B-698C211FBCD7}"/>
               </a:ext>
             </a:extLst>
           </p:cNvPr>
@@ -10380,8 +10980,8 @@
         </p:blipFill>
         <p:spPr>
           <a:xfrm>
-            <a:off x="8778344" y="620850"/>
-            <a:ext cx="8722589" cy="8769909"/>
+            <a:off x="9144000" y="596629"/>
+            <a:ext cx="8077200" cy="9101979"/>
           </a:xfrm>
           <a:prstGeom prst="rect">
             <a:avLst/>
@@ -10592,10 +11192,10 @@
       </p:sp>
       <p:pic>
         <p:nvPicPr>
-          <p:cNvPr id="7" name="Picture 6">
+          <p:cNvPr id="6" name="Picture 5">
             <a:extLst>
               <a:ext uri="{FF2B5EF4-FFF2-40B4-BE49-F238E27FC236}">
-                <a16:creationId xmlns:a16="http://schemas.microsoft.com/office/drawing/2014/main" id="{C6AB11A3-ACEB-807F-940D-5325B451B80E}"/>
+                <a16:creationId xmlns:a16="http://schemas.microsoft.com/office/drawing/2014/main" id="{F5EF8922-3426-F912-7F64-3C15BB0F666C}"/>
               </a:ext>
             </a:extLst>
           </p:cNvPr>
@@ -10618,8 +11218,8 @@
         </p:blipFill>
         <p:spPr>
           <a:xfrm>
-            <a:off x="1638300" y="2335299"/>
-            <a:ext cx="15011400" cy="7320915"/>
+            <a:off x="1828800" y="2638965"/>
+            <a:ext cx="14249400" cy="7061835"/>
           </a:xfrm>
           <a:prstGeom prst="rect">
             <a:avLst/>
@@ -10667,7 +11267,7 @@
         </p:nvGrpSpPr>
         <p:grpSpPr>
           <a:xfrm>
-            <a:off x="787067" y="311407"/>
+            <a:off x="787067" y="266700"/>
             <a:ext cx="16713866" cy="9101117"/>
             <a:chOff x="0" y="0"/>
             <a:chExt cx="4402006" cy="2397002"/>
@@ -10796,7 +11396,7 @@
         <p:spPr>
           <a:xfrm>
             <a:off x="3836576" y="413067"/>
-            <a:ext cx="9700448" cy="1107440"/>
+            <a:ext cx="9700448" cy="720710"/>
           </a:xfrm>
           <a:prstGeom prst="rect">
             <a:avLst/>
@@ -10814,7 +11414,7 @@
               </a:lnSpc>
             </a:pPr>
             <a:r>
-              <a:rPr lang="en-US" sz="6500" b="1" dirty="0">
+              <a:rPr lang="en-US" sz="4000" b="1" dirty="0">
                 <a:solidFill>
                   <a:srgbClr val="243342"/>
                 </a:solidFill>
@@ -10836,15 +11436,15 @@
         </p:nvSpPr>
         <p:spPr>
           <a:xfrm>
-            <a:off x="1502931" y="1931545"/>
-            <a:ext cx="15756369" cy="4181145"/>
+            <a:off x="1028700" y="2284628"/>
+            <a:ext cx="16043787" cy="4054956"/>
           </a:xfrm>
           <a:prstGeom prst="rect">
             <a:avLst/>
           </a:prstGeom>
         </p:spPr>
         <p:txBody>
-          <a:bodyPr lIns="0" tIns="0" rIns="0" bIns="0" rtlCol="0" anchor="t">
+          <a:bodyPr wrap="square" lIns="0" tIns="0" rIns="0" bIns="0" rtlCol="0" anchor="t">
             <a:spAutoFit/>
           </a:bodyPr>
           <a:lstStyle/>
@@ -10855,7 +11455,7 @@
               </a:lnSpc>
             </a:pPr>
             <a:r>
-              <a:rPr lang="en-US" sz="2960" dirty="0">
+              <a:rPr lang="en-US" sz="2960" b="1" dirty="0">
                 <a:solidFill>
                   <a:srgbClr val="000000"/>
                 </a:solidFill>
@@ -10874,355 +11474,211 @@
               </a:lnSpc>
             </a:pPr>
             <a:r>
-              <a:rPr lang="en-US" sz="2960" dirty="0" err="1">
-                <a:solidFill>
-                  <a:srgbClr val="000000"/>
-                </a:solidFill>
-                <a:latin typeface="Karnchang"/>
-                <a:ea typeface="Karnchang"/>
-                <a:cs typeface="Karnchang"/>
-                <a:sym typeface="Karnchang"/>
-              </a:rPr>
-              <a:t>Pertumbuhan</a:t>
-            </a:r>
-            <a:r>
-              <a:rPr lang="en-US" sz="2960" dirty="0">
-                <a:solidFill>
-                  <a:srgbClr val="000000"/>
-                </a:solidFill>
-                <a:latin typeface="Karnchang"/>
-                <a:ea typeface="Karnchang"/>
-                <a:cs typeface="Karnchang"/>
-                <a:sym typeface="Karnchang"/>
-              </a:rPr>
+              <a:rPr lang="en-US" sz="2800" dirty="0" err="1"/>
+              <a:t>Dengan</a:t>
+            </a:r>
+            <a:r>
+              <a:rPr lang="en-US" sz="2800" dirty="0"/>
               <a:t> </a:t>
             </a:r>
             <a:r>
-              <a:rPr lang="en-US" sz="2960" dirty="0" err="1">
-                <a:solidFill>
-                  <a:srgbClr val="000000"/>
-                </a:solidFill>
-                <a:latin typeface="Karnchang"/>
-                <a:ea typeface="Karnchang"/>
-                <a:cs typeface="Karnchang"/>
-                <a:sym typeface="Karnchang"/>
-              </a:rPr>
-              <a:t>industri</a:t>
-            </a:r>
-            <a:r>
-              <a:rPr lang="en-US" sz="2960" dirty="0">
-                <a:solidFill>
-                  <a:srgbClr val="000000"/>
-                </a:solidFill>
-                <a:latin typeface="Karnchang"/>
-                <a:ea typeface="Karnchang"/>
-                <a:cs typeface="Karnchang"/>
-                <a:sym typeface="Karnchang"/>
-              </a:rPr>
+              <a:rPr lang="en-US" sz="2800" dirty="0" err="1"/>
+              <a:t>membuat</a:t>
+            </a:r>
+            <a:r>
+              <a:rPr lang="en-US" sz="2800" dirty="0"/>
               <a:t> </a:t>
             </a:r>
             <a:r>
-              <a:rPr lang="en-US" sz="2960" dirty="0" err="1">
-                <a:solidFill>
-                  <a:srgbClr val="000000"/>
-                </a:solidFill>
-                <a:latin typeface="Karnchang"/>
-                <a:ea typeface="Karnchang"/>
-                <a:cs typeface="Karnchang"/>
-                <a:sym typeface="Karnchang"/>
-              </a:rPr>
+              <a:rPr lang="en-US" sz="2800" dirty="0" err="1"/>
+              <a:t>aplikasi</a:t>
+            </a:r>
+            <a:r>
+              <a:rPr lang="en-US" sz="2800" dirty="0"/>
+              <a:t> </a:t>
+            </a:r>
+            <a:r>
+              <a:rPr lang="en-US" sz="2800" dirty="0" err="1"/>
+              <a:t>sederhana</a:t>
+            </a:r>
+            <a:r>
+              <a:rPr lang="en-US" sz="2800" dirty="0"/>
+              <a:t> </a:t>
+            </a:r>
+            <a:r>
+              <a:rPr lang="en-US" sz="2800" dirty="0" err="1"/>
               <a:t>kredit</a:t>
             </a:r>
             <a:r>
-              <a:rPr lang="en-US" sz="2960" dirty="0">
-                <a:solidFill>
-                  <a:srgbClr val="000000"/>
-                </a:solidFill>
-                <a:latin typeface="Karnchang"/>
-                <a:ea typeface="Karnchang"/>
-                <a:cs typeface="Karnchang"/>
-                <a:sym typeface="Karnchang"/>
-              </a:rPr>
+              <a:rPr lang="en-US" sz="2800" dirty="0"/>
               <a:t> motor </a:t>
             </a:r>
             <a:r>
-              <a:rPr lang="en-US" sz="2960" dirty="0" err="1">
-                <a:solidFill>
-                  <a:srgbClr val="000000"/>
-                </a:solidFill>
-                <a:latin typeface="Karnchang"/>
-                <a:ea typeface="Karnchang"/>
-                <a:cs typeface="Karnchang"/>
-                <a:sym typeface="Karnchang"/>
-              </a:rPr>
-              <a:t>memerlukan</a:t>
-            </a:r>
-            <a:r>
-              <a:rPr lang="en-US" sz="2960" dirty="0">
-                <a:solidFill>
-                  <a:srgbClr val="000000"/>
-                </a:solidFill>
-                <a:latin typeface="Karnchang"/>
-                <a:ea typeface="Karnchang"/>
-                <a:cs typeface="Karnchang"/>
-                <a:sym typeface="Karnchang"/>
-              </a:rPr>
+              <a:rPr lang="en-US" sz="2800" dirty="0" err="1"/>
+              <a:t>ini</a:t>
+            </a:r>
+            <a:r>
+              <a:rPr lang="en-US" sz="2800" dirty="0"/>
               <a:t> </a:t>
             </a:r>
             <a:r>
-              <a:rPr lang="en-US" sz="2960" dirty="0" err="1">
-                <a:solidFill>
-                  <a:srgbClr val="000000"/>
-                </a:solidFill>
-                <a:latin typeface="Karnchang"/>
-                <a:ea typeface="Karnchang"/>
-                <a:cs typeface="Karnchang"/>
-                <a:sym typeface="Karnchang"/>
-              </a:rPr>
-              <a:t>sistem</a:t>
-            </a:r>
-            <a:r>
-              <a:rPr lang="en-US" sz="2960" dirty="0">
-                <a:solidFill>
-                  <a:srgbClr val="000000"/>
-                </a:solidFill>
-                <a:latin typeface="Karnchang"/>
-                <a:ea typeface="Karnchang"/>
-                <a:cs typeface="Karnchang"/>
-                <a:sym typeface="Karnchang"/>
-              </a:rPr>
+              <a:rPr lang="en-US" sz="2800" dirty="0" err="1"/>
+              <a:t>tidak</a:t>
+            </a:r>
+            <a:r>
+              <a:rPr lang="en-US" sz="2800" dirty="0"/>
               <a:t> </a:t>
             </a:r>
             <a:r>
-              <a:rPr lang="en-US" sz="2960" dirty="0" err="1">
-                <a:solidFill>
-                  <a:srgbClr val="000000"/>
-                </a:solidFill>
-                <a:latin typeface="Karnchang"/>
-                <a:ea typeface="Karnchang"/>
-                <a:cs typeface="Karnchang"/>
-                <a:sym typeface="Karnchang"/>
-              </a:rPr>
-              <a:t>pengelolaan</a:t>
-            </a:r>
-            <a:r>
-              <a:rPr lang="en-US" sz="2960" dirty="0">
-                <a:solidFill>
-                  <a:srgbClr val="000000"/>
-                </a:solidFill>
-                <a:latin typeface="Karnchang"/>
-                <a:ea typeface="Karnchang"/>
-                <a:cs typeface="Karnchang"/>
-                <a:sym typeface="Karnchang"/>
-              </a:rPr>
-              <a:t> modern </a:t>
-            </a:r>
-            <a:r>
-              <a:rPr lang="en-US" sz="2960" dirty="0" err="1">
-                <a:solidFill>
-                  <a:srgbClr val="000000"/>
-                </a:solidFill>
-                <a:latin typeface="Karnchang"/>
-                <a:ea typeface="Karnchang"/>
-                <a:cs typeface="Karnchang"/>
-                <a:sym typeface="Karnchang"/>
-              </a:rPr>
-              <a:t>untuk</a:t>
-            </a:r>
-            <a:r>
-              <a:rPr lang="en-US" sz="2960" dirty="0">
-                <a:solidFill>
-                  <a:srgbClr val="000000"/>
-                </a:solidFill>
-                <a:latin typeface="Karnchang"/>
-                <a:ea typeface="Karnchang"/>
-                <a:cs typeface="Karnchang"/>
-                <a:sym typeface="Karnchang"/>
-              </a:rPr>
+              <a:rPr lang="en-US" sz="2800" dirty="0" err="1"/>
+              <a:t>hanya</a:t>
+            </a:r>
+            <a:r>
+              <a:rPr lang="en-US" sz="2800" dirty="0"/>
               <a:t> </a:t>
             </a:r>
             <a:r>
-              <a:rPr lang="en-US" sz="2960" dirty="0" err="1">
-                <a:solidFill>
-                  <a:srgbClr val="000000"/>
-                </a:solidFill>
-                <a:latin typeface="Karnchang"/>
-                <a:ea typeface="Karnchang"/>
-                <a:cs typeface="Karnchang"/>
-                <a:sym typeface="Karnchang"/>
-              </a:rPr>
+              <a:rPr lang="en-US" sz="2800" dirty="0" err="1"/>
               <a:t>meningkatkan</a:t>
             </a:r>
             <a:r>
-              <a:rPr lang="en-US" sz="2960" dirty="0">
-                <a:solidFill>
-                  <a:srgbClr val="000000"/>
-                </a:solidFill>
-                <a:latin typeface="Karnchang"/>
-                <a:ea typeface="Karnchang"/>
-                <a:cs typeface="Karnchang"/>
-                <a:sym typeface="Karnchang"/>
-              </a:rPr>
+              <a:rPr lang="en-US" sz="2800" dirty="0"/>
               <a:t> </a:t>
             </a:r>
             <a:r>
-              <a:rPr lang="en-US" sz="2960" dirty="0" err="1">
-                <a:solidFill>
-                  <a:srgbClr val="000000"/>
-                </a:solidFill>
-                <a:latin typeface="Karnchang"/>
-                <a:ea typeface="Karnchang"/>
-                <a:cs typeface="Karnchang"/>
-                <a:sym typeface="Karnchang"/>
-              </a:rPr>
+              <a:rPr lang="en-US" sz="2800" dirty="0" err="1"/>
               <a:t>efisiensi</a:t>
             </a:r>
             <a:r>
-              <a:rPr lang="en-US" sz="2960" dirty="0">
-                <a:solidFill>
-                  <a:srgbClr val="000000"/>
-                </a:solidFill>
-                <a:latin typeface="Karnchang"/>
-                <a:ea typeface="Karnchang"/>
-                <a:cs typeface="Karnchang"/>
-                <a:sym typeface="Karnchang"/>
-              </a:rPr>
+              <a:rPr lang="en-US" sz="2800" dirty="0"/>
               <a:t> dan </a:t>
             </a:r>
             <a:r>
-              <a:rPr lang="en-US" sz="2960" dirty="0" err="1">
-                <a:solidFill>
-                  <a:srgbClr val="000000"/>
-                </a:solidFill>
-                <a:latin typeface="Karnchang"/>
-                <a:ea typeface="Karnchang"/>
-                <a:cs typeface="Karnchang"/>
-                <a:sym typeface="Karnchang"/>
-              </a:rPr>
+              <a:rPr lang="en-US" sz="2800" dirty="0" err="1"/>
               <a:t>kualitas</a:t>
             </a:r>
             <a:r>
-              <a:rPr lang="en-US" sz="2960" dirty="0">
-                <a:solidFill>
-                  <a:srgbClr val="000000"/>
-                </a:solidFill>
-                <a:latin typeface="Karnchang"/>
-                <a:ea typeface="Karnchang"/>
-                <a:cs typeface="Karnchang"/>
-                <a:sym typeface="Karnchang"/>
-              </a:rPr>
+              <a:rPr lang="en-US" sz="2800" dirty="0"/>
               <a:t> </a:t>
             </a:r>
             <a:r>
-              <a:rPr lang="en-US" sz="2960" dirty="0" err="1">
-                <a:solidFill>
-                  <a:srgbClr val="000000"/>
-                </a:solidFill>
-                <a:latin typeface="Karnchang"/>
-                <a:ea typeface="Karnchang"/>
-                <a:cs typeface="Karnchang"/>
-                <a:sym typeface="Karnchang"/>
-              </a:rPr>
+              <a:rPr lang="en-US" sz="2800" dirty="0" err="1"/>
               <a:t>pelayanan</a:t>
             </a:r>
             <a:r>
-              <a:rPr lang="en-US" sz="2960" dirty="0">
-                <a:solidFill>
-                  <a:srgbClr val="000000"/>
-                </a:solidFill>
-                <a:latin typeface="Karnchang"/>
-                <a:ea typeface="Karnchang"/>
-                <a:cs typeface="Karnchang"/>
-                <a:sym typeface="Karnchang"/>
-              </a:rPr>
+              <a:rPr lang="en-US" sz="2800" dirty="0"/>
               <a:t>, </a:t>
             </a:r>
             <a:r>
-              <a:rPr lang="en-US" sz="2960" dirty="0" err="1">
-                <a:solidFill>
-                  <a:srgbClr val="000000"/>
-                </a:solidFill>
-                <a:latin typeface="Karnchang"/>
-                <a:ea typeface="Karnchang"/>
-                <a:cs typeface="Karnchang"/>
-                <a:sym typeface="Karnchang"/>
-              </a:rPr>
-              <a:t>menggantikan</a:t>
-            </a:r>
-            <a:r>
-              <a:rPr lang="en-US" sz="2960" dirty="0">
-                <a:solidFill>
-                  <a:srgbClr val="000000"/>
-                </a:solidFill>
-                <a:latin typeface="Karnchang"/>
-                <a:ea typeface="Karnchang"/>
-                <a:cs typeface="Karnchang"/>
-                <a:sym typeface="Karnchang"/>
-              </a:rPr>
+              <a:rPr lang="en-US" sz="2800" dirty="0" err="1"/>
+              <a:t>tetapi</a:t>
+            </a:r>
+            <a:r>
+              <a:rPr lang="en-US" sz="2800" dirty="0"/>
+              <a:t> juga </a:t>
+            </a:r>
+            <a:r>
+              <a:rPr lang="en-US" sz="2800" dirty="0" err="1"/>
+              <a:t>memperkuat</a:t>
+            </a:r>
+            <a:r>
+              <a:rPr lang="en-US" sz="2800" dirty="0"/>
               <a:t> </a:t>
             </a:r>
             <a:r>
-              <a:rPr lang="en-US" sz="2960" dirty="0" err="1">
-                <a:solidFill>
-                  <a:srgbClr val="000000"/>
-                </a:solidFill>
-                <a:latin typeface="Karnchang"/>
-                <a:ea typeface="Karnchang"/>
-                <a:cs typeface="Karnchang"/>
-                <a:sym typeface="Karnchang"/>
-              </a:rPr>
-              <a:t>sistem</a:t>
-            </a:r>
-            <a:r>
-              <a:rPr lang="en-US" sz="2960" dirty="0">
-                <a:solidFill>
-                  <a:srgbClr val="000000"/>
-                </a:solidFill>
-                <a:latin typeface="Karnchang"/>
-                <a:ea typeface="Karnchang"/>
-                <a:cs typeface="Karnchang"/>
-                <a:sym typeface="Karnchang"/>
-              </a:rPr>
-              <a:t> manual yang </a:t>
-            </a:r>
-            <a:r>
-              <a:rPr lang="en-US" sz="2960" dirty="0" err="1">
-                <a:solidFill>
-                  <a:srgbClr val="000000"/>
-                </a:solidFill>
-                <a:latin typeface="Karnchang"/>
-                <a:ea typeface="Karnchang"/>
-                <a:cs typeface="Karnchang"/>
-                <a:sym typeface="Karnchang"/>
-              </a:rPr>
-              <a:t>kurang</a:t>
-            </a:r>
-            <a:r>
-              <a:rPr lang="en-US" sz="2960" dirty="0">
-                <a:solidFill>
-                  <a:srgbClr val="000000"/>
-                </a:solidFill>
-                <a:latin typeface="Karnchang"/>
-                <a:ea typeface="Karnchang"/>
-                <a:cs typeface="Karnchang"/>
-                <a:sym typeface="Karnchang"/>
-              </a:rPr>
+              <a:rPr lang="en-US" sz="2800" dirty="0" err="1"/>
+              <a:t>daya</a:t>
+            </a:r>
+            <a:r>
+              <a:rPr lang="en-US" sz="2800" dirty="0"/>
               <a:t> </a:t>
             </a:r>
             <a:r>
-              <a:rPr lang="en-US" sz="2960" dirty="0" err="1">
-                <a:solidFill>
-                  <a:srgbClr val="000000"/>
-                </a:solidFill>
-                <a:latin typeface="Karnchang"/>
-                <a:ea typeface="Karnchang"/>
-                <a:cs typeface="Karnchang"/>
-                <a:sym typeface="Karnchang"/>
-              </a:rPr>
-              <a:t>efektif</a:t>
-            </a:r>
-            <a:r>
-              <a:rPr lang="en-US" sz="2960" dirty="0">
+              <a:rPr lang="en-US" sz="2800" dirty="0" err="1"/>
+              <a:t>saing</a:t>
+            </a:r>
+            <a:r>
+              <a:rPr lang="en-US" sz="2800" dirty="0"/>
+              <a:t> </a:t>
+            </a:r>
+            <a:r>
+              <a:rPr lang="en-US" sz="2800" dirty="0" err="1"/>
+              <a:t>perusahaan</a:t>
+            </a:r>
+            <a:r>
+              <a:rPr lang="en-US" sz="2800" dirty="0"/>
+              <a:t>, </a:t>
+            </a:r>
+            <a:r>
+              <a:rPr lang="en-US" sz="2800" dirty="0" err="1"/>
+              <a:t>meminimalkan</a:t>
+            </a:r>
+            <a:r>
+              <a:rPr lang="en-US" sz="2800" dirty="0"/>
+              <a:t> </a:t>
+            </a:r>
+            <a:r>
+              <a:rPr lang="en-US" sz="2800" dirty="0" err="1"/>
+              <a:t>risiko</a:t>
+            </a:r>
+            <a:r>
+              <a:rPr lang="en-US" sz="2800" dirty="0"/>
+              <a:t> </a:t>
+            </a:r>
+            <a:r>
+              <a:rPr lang="en-US" sz="2800" dirty="0" err="1"/>
+              <a:t>operasional</a:t>
+            </a:r>
+            <a:r>
+              <a:rPr lang="en-US" sz="2800" dirty="0"/>
+              <a:t>, dan </a:t>
+            </a:r>
+            <a:r>
+              <a:rPr lang="en-US" sz="2800" dirty="0" err="1"/>
+              <a:t>memberikan</a:t>
+            </a:r>
+            <a:r>
+              <a:rPr lang="en-US" sz="2800" dirty="0"/>
+              <a:t> </a:t>
+            </a:r>
+            <a:r>
+              <a:rPr lang="en-US" sz="2800" dirty="0" err="1"/>
+              <a:t>pengalaman</a:t>
+            </a:r>
+            <a:r>
+              <a:rPr lang="en-US" sz="2800" dirty="0"/>
+              <a:t> yang </a:t>
+            </a:r>
+            <a:r>
+              <a:rPr lang="en-US" sz="2800" dirty="0" err="1"/>
+              <a:t>lebih</a:t>
+            </a:r>
+            <a:r>
+              <a:rPr lang="en-US" sz="2800" dirty="0"/>
+              <a:t> </a:t>
+            </a:r>
+            <a:r>
+              <a:rPr lang="en-US" sz="2800" dirty="0" err="1"/>
+              <a:t>baik</a:t>
+            </a:r>
+            <a:r>
+              <a:rPr lang="en-US" sz="2800" dirty="0"/>
+              <a:t> </a:t>
+            </a:r>
+            <a:r>
+              <a:rPr lang="en-US" sz="2800" dirty="0" err="1"/>
+              <a:t>bagi</a:t>
+            </a:r>
+            <a:r>
+              <a:rPr lang="en-US" sz="2800" dirty="0"/>
+              <a:t> </a:t>
+            </a:r>
+            <a:r>
+              <a:rPr lang="en-US" sz="2800" dirty="0" err="1"/>
+              <a:t>nasabah</a:t>
+            </a:r>
+            <a:r>
+              <a:rPr lang="en-US" sz="2800" dirty="0">
                 <a:solidFill>
                   <a:srgbClr val="000000"/>
                 </a:solidFill>
@@ -11257,7 +11713,7 @@
               </a:lnSpc>
             </a:pPr>
             <a:r>
-              <a:rPr lang="en-US" sz="2960" dirty="0">
+              <a:rPr lang="en-US" sz="2960" b="1" dirty="0">
                 <a:solidFill>
                   <a:srgbClr val="000000"/>
                 </a:solidFill>
@@ -11270,489 +11726,132 @@
             </a:r>
           </a:p>
           <a:p>
-            <a:pPr algn="just">
-              <a:lnSpc>
-                <a:spcPts val="4145"/>
-              </a:lnSpc>
-            </a:pPr>
-            <a:r>
-              <a:rPr lang="en-US" sz="2960" dirty="0" err="1">
-                <a:solidFill>
-                  <a:srgbClr val="000000"/>
-                </a:solidFill>
-                <a:latin typeface="Karnchang"/>
-                <a:ea typeface="Karnchang"/>
-                <a:cs typeface="Karnchang"/>
-                <a:sym typeface="Karnchang"/>
-              </a:rPr>
-              <a:t>Perlu</a:t>
-            </a:r>
-            <a:r>
-              <a:rPr lang="en-US" sz="2960" dirty="0">
-                <a:solidFill>
-                  <a:srgbClr val="000000"/>
-                </a:solidFill>
-                <a:latin typeface="Karnchang"/>
-                <a:ea typeface="Karnchang"/>
-                <a:cs typeface="Karnchang"/>
-                <a:sym typeface="Karnchang"/>
-              </a:rPr>
+            <a:r>
+              <a:rPr lang="en-US" sz="2800" dirty="0" err="1"/>
+              <a:t>Dalam</a:t>
+            </a:r>
+            <a:r>
+              <a:rPr lang="en-US" sz="2800" dirty="0"/>
               <a:t> </a:t>
             </a:r>
             <a:r>
-              <a:rPr lang="en-US" sz="2960" dirty="0" err="1">
-                <a:solidFill>
-                  <a:srgbClr val="000000"/>
-                </a:solidFill>
-                <a:latin typeface="Karnchang"/>
-                <a:ea typeface="Karnchang"/>
-                <a:cs typeface="Karnchang"/>
-                <a:sym typeface="Karnchang"/>
-              </a:rPr>
-              <a:t>dikembangkan</a:t>
-            </a:r>
-            <a:r>
-              <a:rPr lang="en-US" sz="2960" dirty="0">
-                <a:solidFill>
-                  <a:srgbClr val="000000"/>
-                </a:solidFill>
-                <a:latin typeface="Karnchang"/>
-                <a:ea typeface="Karnchang"/>
-                <a:cs typeface="Karnchang"/>
-                <a:sym typeface="Karnchang"/>
-              </a:rPr>
+              <a:rPr lang="en-US" sz="2800" dirty="0" err="1"/>
+              <a:t>pengembangan</a:t>
+            </a:r>
+            <a:r>
+              <a:rPr lang="en-US" sz="2800" dirty="0"/>
               <a:t> </a:t>
             </a:r>
             <a:r>
-              <a:rPr lang="en-US" sz="2960" dirty="0" err="1">
-                <a:solidFill>
-                  <a:srgbClr val="000000"/>
-                </a:solidFill>
-                <a:latin typeface="Karnchang"/>
-                <a:ea typeface="Karnchang"/>
-                <a:cs typeface="Karnchang"/>
-                <a:sym typeface="Karnchang"/>
-              </a:rPr>
-              <a:t>sistem</a:t>
-            </a:r>
-            <a:r>
-              <a:rPr lang="en-US" sz="2960" dirty="0">
-                <a:solidFill>
-                  <a:srgbClr val="000000"/>
-                </a:solidFill>
-                <a:latin typeface="Karnchang"/>
-                <a:ea typeface="Karnchang"/>
-                <a:cs typeface="Karnchang"/>
-                <a:sym typeface="Karnchang"/>
-              </a:rPr>
+              <a:rPr lang="en-US" sz="2800" dirty="0" err="1"/>
+              <a:t>aplikasi</a:t>
+            </a:r>
+            <a:r>
+              <a:rPr lang="en-US" sz="2800" dirty="0"/>
               <a:t> </a:t>
             </a:r>
             <a:r>
-              <a:rPr lang="en-US" sz="2960" dirty="0" err="1">
-                <a:solidFill>
-                  <a:srgbClr val="000000"/>
-                </a:solidFill>
-                <a:latin typeface="Karnchang"/>
-                <a:ea typeface="Karnchang"/>
-                <a:cs typeface="Karnchang"/>
-                <a:sym typeface="Karnchang"/>
-              </a:rPr>
-              <a:t>pengelolaan</a:t>
-            </a:r>
-            <a:r>
-              <a:rPr lang="en-US" sz="2960" dirty="0">
-                <a:solidFill>
-                  <a:srgbClr val="000000"/>
-                </a:solidFill>
-                <a:latin typeface="Karnchang"/>
-                <a:ea typeface="Karnchang"/>
-                <a:cs typeface="Karnchang"/>
-                <a:sym typeface="Karnchang"/>
-              </a:rPr>
+              <a:rPr lang="en-US" sz="2800" dirty="0" err="1"/>
+              <a:t>ini</a:t>
+            </a:r>
+            <a:r>
+              <a:rPr lang="en-US" sz="2800" dirty="0"/>
               <a:t> </a:t>
             </a:r>
             <a:r>
-              <a:rPr lang="en-US" sz="2960" dirty="0" err="1">
-                <a:solidFill>
-                  <a:srgbClr val="000000"/>
-                </a:solidFill>
-                <a:latin typeface="Karnchang"/>
-                <a:ea typeface="Karnchang"/>
-                <a:cs typeface="Karnchang"/>
-                <a:sym typeface="Karnchang"/>
-              </a:rPr>
-              <a:t>kredit</a:t>
-            </a:r>
-            <a:r>
-              <a:rPr lang="en-US" sz="2960" dirty="0">
-                <a:solidFill>
-                  <a:srgbClr val="000000"/>
-                </a:solidFill>
-                <a:latin typeface="Karnchang"/>
-                <a:ea typeface="Karnchang"/>
-                <a:cs typeface="Karnchang"/>
-                <a:sym typeface="Karnchang"/>
-              </a:rPr>
-              <a:t> motor </a:t>
-            </a:r>
-            <a:r>
-              <a:rPr lang="en-US" sz="2960" dirty="0" err="1">
-                <a:solidFill>
-                  <a:srgbClr val="000000"/>
-                </a:solidFill>
-                <a:latin typeface="Karnchang"/>
-                <a:ea typeface="Karnchang"/>
-                <a:cs typeface="Karnchang"/>
-                <a:sym typeface="Karnchang"/>
-              </a:rPr>
-              <a:t>berbasis</a:t>
-            </a:r>
-            <a:r>
-              <a:rPr lang="en-US" sz="2960" dirty="0">
-                <a:solidFill>
-                  <a:srgbClr val="000000"/>
-                </a:solidFill>
-                <a:latin typeface="Karnchang"/>
-                <a:ea typeface="Karnchang"/>
-                <a:cs typeface="Karnchang"/>
-                <a:sym typeface="Karnchang"/>
-              </a:rPr>
+              <a:rPr lang="en-US" sz="2800" dirty="0" err="1"/>
+              <a:t>selanjutnya</a:t>
+            </a:r>
+            <a:r>
+              <a:rPr lang="en-US" sz="2800" dirty="0"/>
+              <a:t>, </a:t>
+            </a:r>
+            <a:r>
+              <a:rPr lang="en-US" sz="2800" dirty="0" err="1"/>
+              <a:t>diharapkan</a:t>
+            </a:r>
+            <a:r>
+              <a:rPr lang="en-US" sz="2800" dirty="0"/>
               <a:t> </a:t>
             </a:r>
             <a:r>
-              <a:rPr lang="en-US" sz="2960" dirty="0" err="1">
-                <a:solidFill>
-                  <a:srgbClr val="000000"/>
-                </a:solidFill>
-                <a:latin typeface="Karnchang"/>
-                <a:ea typeface="Karnchang"/>
-                <a:cs typeface="Karnchang"/>
-                <a:sym typeface="Karnchang"/>
-              </a:rPr>
-              <a:t>teknologi</a:t>
-            </a:r>
-            <a:r>
-              <a:rPr lang="en-US" sz="2960" dirty="0">
-                <a:solidFill>
-                  <a:srgbClr val="000000"/>
-                </a:solidFill>
-                <a:latin typeface="Karnchang"/>
-                <a:ea typeface="Karnchang"/>
-                <a:cs typeface="Karnchang"/>
-                <a:sym typeface="Karnchang"/>
-              </a:rPr>
+              <a:rPr lang="en-US" sz="2800" dirty="0" err="1"/>
+              <a:t>aplikasi</a:t>
+            </a:r>
+            <a:r>
+              <a:rPr lang="en-US" sz="2800" dirty="0"/>
               <a:t> </a:t>
             </a:r>
             <a:r>
-              <a:rPr lang="en-US" sz="2960" dirty="0" err="1">
-                <a:solidFill>
-                  <a:srgbClr val="000000"/>
-                </a:solidFill>
-                <a:latin typeface="Karnchang"/>
-                <a:ea typeface="Karnchang"/>
-                <a:cs typeface="Karnchang"/>
-                <a:sym typeface="Karnchang"/>
-              </a:rPr>
-              <a:t>informasi</a:t>
-            </a:r>
-            <a:r>
-              <a:rPr lang="en-US" sz="2960" dirty="0">
-                <a:solidFill>
-                  <a:srgbClr val="000000"/>
-                </a:solidFill>
-                <a:latin typeface="Karnchang"/>
-                <a:ea typeface="Karnchang"/>
-                <a:cs typeface="Karnchang"/>
-                <a:sym typeface="Karnchang"/>
-              </a:rPr>
+              <a:rPr lang="en-US" sz="2800" dirty="0" err="1"/>
+              <a:t>ini</a:t>
+            </a:r>
+            <a:r>
+              <a:rPr lang="en-US" sz="2800" dirty="0"/>
               <a:t> </a:t>
             </a:r>
             <a:r>
-              <a:rPr lang="en-US" sz="2960" dirty="0" err="1">
-                <a:solidFill>
-                  <a:srgbClr val="000000"/>
-                </a:solidFill>
-                <a:latin typeface="Karnchang"/>
-                <a:ea typeface="Karnchang"/>
-                <a:cs typeface="Karnchang"/>
-                <a:sym typeface="Karnchang"/>
-              </a:rPr>
-              <a:t>dengan</a:t>
-            </a:r>
-            <a:r>
-              <a:rPr lang="en-US" sz="2960" dirty="0">
-                <a:solidFill>
-                  <a:srgbClr val="000000"/>
-                </a:solidFill>
-                <a:latin typeface="Karnchang"/>
-                <a:ea typeface="Karnchang"/>
-                <a:cs typeface="Karnchang"/>
-                <a:sym typeface="Karnchang"/>
-              </a:rPr>
+              <a:rPr lang="en-US" sz="2800" dirty="0" err="1"/>
+              <a:t>bisa</a:t>
+            </a:r>
+            <a:r>
+              <a:rPr lang="en-US" sz="2800" dirty="0"/>
+              <a:t> online, </a:t>
+            </a:r>
+            <a:r>
+              <a:rPr lang="en-US" sz="2800" dirty="0" err="1"/>
+              <a:t>sehingga</a:t>
+            </a:r>
+            <a:r>
+              <a:rPr lang="en-US" sz="2800" dirty="0"/>
               <a:t> </a:t>
             </a:r>
             <a:r>
-              <a:rPr lang="en-US" sz="2960" dirty="0" err="1">
-                <a:solidFill>
-                  <a:srgbClr val="000000"/>
-                </a:solidFill>
-                <a:latin typeface="Karnchang"/>
-                <a:ea typeface="Karnchang"/>
-                <a:cs typeface="Karnchang"/>
-                <a:sym typeface="Karnchang"/>
-              </a:rPr>
-              <a:t>fitur</a:t>
-            </a:r>
-            <a:r>
-              <a:rPr lang="en-US" sz="2960" dirty="0">
-                <a:solidFill>
-                  <a:srgbClr val="000000"/>
-                </a:solidFill>
-                <a:latin typeface="Karnchang"/>
-                <a:ea typeface="Karnchang"/>
-                <a:cs typeface="Karnchang"/>
-                <a:sym typeface="Karnchang"/>
-              </a:rPr>
+              <a:rPr lang="en-US" sz="2800" dirty="0" err="1"/>
+              <a:t>melakukan</a:t>
+            </a:r>
+            <a:r>
+              <a:rPr lang="en-US" sz="2800" dirty="0"/>
               <a:t> </a:t>
             </a:r>
             <a:r>
-              <a:rPr lang="en-US" sz="2960" dirty="0" err="1">
-                <a:solidFill>
-                  <a:srgbClr val="000000"/>
-                </a:solidFill>
-                <a:latin typeface="Karnchang"/>
-                <a:ea typeface="Karnchang"/>
-                <a:cs typeface="Karnchang"/>
-                <a:sym typeface="Karnchang"/>
-              </a:rPr>
-              <a:t>keamanan</a:t>
-            </a:r>
-            <a:r>
-              <a:rPr lang="en-US" sz="2960" dirty="0">
-                <a:solidFill>
-                  <a:srgbClr val="000000"/>
-                </a:solidFill>
-                <a:latin typeface="Karnchang"/>
-                <a:ea typeface="Karnchang"/>
-                <a:cs typeface="Karnchang"/>
-                <a:sym typeface="Karnchang"/>
-              </a:rPr>
-              <a:t> data, </a:t>
-            </a:r>
-            <a:r>
-              <a:rPr lang="en-US" sz="2960" dirty="0" err="1">
-                <a:solidFill>
-                  <a:srgbClr val="000000"/>
-                </a:solidFill>
-                <a:latin typeface="Karnchang"/>
-                <a:ea typeface="Karnchang"/>
-                <a:cs typeface="Karnchang"/>
-                <a:sym typeface="Karnchang"/>
-              </a:rPr>
-              <a:t>integrasi</a:t>
-            </a:r>
-            <a:r>
-              <a:rPr lang="en-US" sz="2960" dirty="0">
-                <a:solidFill>
-                  <a:srgbClr val="000000"/>
-                </a:solidFill>
-                <a:latin typeface="Karnchang"/>
-                <a:ea typeface="Karnchang"/>
-                <a:cs typeface="Karnchang"/>
-                <a:sym typeface="Karnchang"/>
-              </a:rPr>
+              <a:rPr lang="en-US" sz="2800" dirty="0" err="1"/>
+              <a:t>transaksinya</a:t>
+            </a:r>
+            <a:r>
+              <a:rPr lang="en-US" sz="2800" dirty="0"/>
               <a:t> </a:t>
             </a:r>
             <a:r>
-              <a:rPr lang="en-US" sz="2960" dirty="0" err="1">
-                <a:solidFill>
-                  <a:srgbClr val="000000"/>
-                </a:solidFill>
-                <a:latin typeface="Karnchang"/>
-                <a:ea typeface="Karnchang"/>
-                <a:cs typeface="Karnchang"/>
-                <a:sym typeface="Karnchang"/>
-              </a:rPr>
-              <a:t>sistem</a:t>
-            </a:r>
-            <a:r>
-              <a:rPr lang="en-US" sz="2960" dirty="0">
-                <a:solidFill>
-                  <a:srgbClr val="000000"/>
-                </a:solidFill>
-                <a:latin typeface="Karnchang"/>
-                <a:ea typeface="Karnchang"/>
-                <a:cs typeface="Karnchang"/>
-                <a:sym typeface="Karnchang"/>
-              </a:rPr>
-              <a:t>, dan </a:t>
-            </a:r>
-            <a:r>
-              <a:rPr lang="en-US" sz="2960" dirty="0" err="1">
-                <a:solidFill>
-                  <a:srgbClr val="000000"/>
-                </a:solidFill>
-                <a:latin typeface="Karnchang"/>
-                <a:ea typeface="Karnchang"/>
-                <a:cs typeface="Karnchang"/>
-                <a:sym typeface="Karnchang"/>
-              </a:rPr>
-              <a:t>analisis</a:t>
-            </a:r>
-            <a:r>
-              <a:rPr lang="en-US" sz="2960" dirty="0">
-                <a:solidFill>
-                  <a:srgbClr val="000000"/>
-                </a:solidFill>
-                <a:latin typeface="Karnchang"/>
-                <a:ea typeface="Karnchang"/>
-                <a:cs typeface="Karnchang"/>
-                <a:sym typeface="Karnchang"/>
-              </a:rPr>
-              <a:t> data </a:t>
-            </a:r>
-            <a:r>
-              <a:rPr lang="en-US" sz="2960" dirty="0" err="1">
-                <a:solidFill>
-                  <a:srgbClr val="000000"/>
-                </a:solidFill>
-                <a:latin typeface="Karnchang"/>
-                <a:ea typeface="Karnchang"/>
-                <a:cs typeface="Karnchang"/>
-                <a:sym typeface="Karnchang"/>
-              </a:rPr>
-              <a:t>untuk</a:t>
-            </a:r>
-            <a:r>
-              <a:rPr lang="en-US" sz="2960" dirty="0">
-                <a:solidFill>
-                  <a:srgbClr val="000000"/>
-                </a:solidFill>
-                <a:latin typeface="Karnchang"/>
-                <a:ea typeface="Karnchang"/>
-                <a:cs typeface="Karnchang"/>
-                <a:sym typeface="Karnchang"/>
-              </a:rPr>
+              <a:rPr lang="en-US" sz="2800" dirty="0" err="1"/>
+              <a:t>tidak</a:t>
+            </a:r>
+            <a:r>
+              <a:rPr lang="en-US" sz="2800" dirty="0"/>
               <a:t> </a:t>
             </a:r>
             <a:r>
-              <a:rPr lang="en-US" sz="2960" dirty="0" err="1">
-                <a:solidFill>
-                  <a:srgbClr val="000000"/>
-                </a:solidFill>
-                <a:latin typeface="Karnchang"/>
-                <a:ea typeface="Karnchang"/>
-                <a:cs typeface="Karnchang"/>
-                <a:sym typeface="Karnchang"/>
-              </a:rPr>
-              <a:t>meningkatkan</a:t>
-            </a:r>
-            <a:r>
-              <a:rPr lang="en-US" sz="2960" dirty="0">
-                <a:solidFill>
-                  <a:srgbClr val="000000"/>
-                </a:solidFill>
-                <a:latin typeface="Karnchang"/>
-                <a:ea typeface="Karnchang"/>
-                <a:cs typeface="Karnchang"/>
-                <a:sym typeface="Karnchang"/>
-              </a:rPr>
-              <a:t> </a:t>
-            </a:r>
-            <a:r>
-              <a:rPr lang="en-US" sz="2960" dirty="0" err="1">
-                <a:solidFill>
-                  <a:srgbClr val="000000"/>
-                </a:solidFill>
-                <a:latin typeface="Karnchang"/>
-                <a:ea typeface="Karnchang"/>
-                <a:cs typeface="Karnchang"/>
-                <a:sym typeface="Karnchang"/>
-              </a:rPr>
-              <a:t>efisiensi</a:t>
-            </a:r>
-            <a:r>
-              <a:rPr lang="en-US" sz="2960" dirty="0">
-                <a:solidFill>
-                  <a:srgbClr val="000000"/>
-                </a:solidFill>
-                <a:latin typeface="Karnchang"/>
-                <a:ea typeface="Karnchang"/>
-                <a:cs typeface="Karnchang"/>
-                <a:sym typeface="Karnchang"/>
-              </a:rPr>
-              <a:t> </a:t>
-            </a:r>
-            <a:r>
-              <a:rPr lang="en-US" sz="2960" dirty="0" err="1">
-                <a:solidFill>
-                  <a:srgbClr val="000000"/>
-                </a:solidFill>
-                <a:latin typeface="Karnchang"/>
-                <a:ea typeface="Karnchang"/>
-                <a:cs typeface="Karnchang"/>
-                <a:sym typeface="Karnchang"/>
-              </a:rPr>
-              <a:t>operasional</a:t>
-            </a:r>
-            <a:r>
-              <a:rPr lang="en-US" sz="2960" dirty="0">
-                <a:solidFill>
-                  <a:srgbClr val="000000"/>
-                </a:solidFill>
-                <a:latin typeface="Karnchang"/>
-                <a:ea typeface="Karnchang"/>
-                <a:cs typeface="Karnchang"/>
-                <a:sym typeface="Karnchang"/>
-              </a:rPr>
-              <a:t> dan </a:t>
-            </a:r>
-            <a:r>
-              <a:rPr lang="en-US" sz="2960" dirty="0" err="1">
-                <a:solidFill>
-                  <a:srgbClr val="000000"/>
-                </a:solidFill>
-                <a:latin typeface="Karnchang"/>
-                <a:ea typeface="Karnchang"/>
-                <a:cs typeface="Karnchang"/>
-                <a:sym typeface="Karnchang"/>
-              </a:rPr>
-              <a:t>kepuasan</a:t>
-            </a:r>
-            <a:r>
-              <a:rPr lang="en-US" sz="2960" dirty="0">
-                <a:solidFill>
-                  <a:srgbClr val="000000"/>
-                </a:solidFill>
-                <a:latin typeface="Karnchang"/>
-                <a:ea typeface="Karnchang"/>
-                <a:cs typeface="Karnchang"/>
-                <a:sym typeface="Karnchang"/>
-              </a:rPr>
-              <a:t> </a:t>
-            </a:r>
-            <a:r>
-              <a:rPr lang="en-US" sz="2960" dirty="0" err="1">
-                <a:solidFill>
-                  <a:srgbClr val="000000"/>
-                </a:solidFill>
-                <a:latin typeface="Karnchang"/>
-                <a:ea typeface="Karnchang"/>
-                <a:cs typeface="Karnchang"/>
-                <a:sym typeface="Karnchang"/>
-              </a:rPr>
-              <a:t>nasabah</a:t>
-            </a:r>
-            <a:r>
-              <a:rPr lang="en-US" sz="2960" dirty="0">
-                <a:solidFill>
-                  <a:srgbClr val="000000"/>
-                </a:solidFill>
-                <a:latin typeface="Karnchang"/>
-                <a:ea typeface="Karnchang"/>
-                <a:cs typeface="Karnchang"/>
-                <a:sym typeface="Karnchang"/>
-              </a:rPr>
+              <a:rPr lang="en-US" sz="2800" dirty="0" err="1"/>
+              <a:t>harus</a:t>
+            </a:r>
+            <a:r>
+              <a:rPr lang="en-US" sz="2800" dirty="0"/>
+              <a:t> di </a:t>
+            </a:r>
+            <a:r>
+              <a:rPr lang="en-US" sz="2800" dirty="0" err="1"/>
+              <a:t>tempat</a:t>
+            </a:r>
+            <a:r>
+              <a:rPr lang="en-US" sz="2800" dirty="0"/>
+              <a:t> yang </a:t>
+            </a:r>
+            <a:r>
+              <a:rPr lang="en-US" sz="2800" dirty="0" err="1"/>
+              <a:t>bersangkutan</a:t>
+            </a:r>
+            <a:r>
+              <a:rPr lang="en-US" sz="2800" dirty="0"/>
               <a:t>.</a:t>
             </a:r>
           </a:p>
